--- a/fts_medico/01-dados/FT em Medicina.pptx
+++ b/fts_medico/01-dados/FT em Medicina.pptx
@@ -6,17 +6,20 @@
     <p:sldMasterId id="2147483689" r:id="rId2"/>
   </p:sldMasterIdLst>
   <p:notesMasterIdLst>
-    <p:notesMasterId r:id="rId8"/>
+    <p:notesMasterId r:id="rId11"/>
   </p:notesMasterIdLst>
   <p:handoutMasterIdLst>
-    <p:handoutMasterId r:id="rId9"/>
+    <p:handoutMasterId r:id="rId12"/>
   </p:handoutMasterIdLst>
   <p:sldIdLst>
     <p:sldId id="256" r:id="rId3"/>
-    <p:sldId id="922" r:id="rId4"/>
-    <p:sldId id="946" r:id="rId5"/>
-    <p:sldId id="945" r:id="rId6"/>
-    <p:sldId id="944" r:id="rId7"/>
+    <p:sldId id="948" r:id="rId4"/>
+    <p:sldId id="922" r:id="rId5"/>
+    <p:sldId id="946" r:id="rId6"/>
+    <p:sldId id="945" r:id="rId7"/>
+    <p:sldId id="947" r:id="rId8"/>
+    <p:sldId id="949" r:id="rId9"/>
+    <p:sldId id="944" r:id="rId10"/>
   </p:sldIdLst>
   <p:sldSz cx="12192000" cy="6858000"/>
   <p:notesSz cx="6858000" cy="9144000"/>
@@ -130,6 +133,557 @@
 </p188:authorLst>
 </file>
 
+<file path=ppt/changesInfos/changesInfo1.xml><?xml version="1.0" encoding="utf-8"?>
+<pc:chgInfo xmlns:a="http://schemas.openxmlformats.org/drawingml/2006/main" xmlns:r="http://schemas.openxmlformats.org/officeDocument/2006/relationships" xmlns:ac="http://schemas.microsoft.com/office/drawing/2013/main/command" xmlns:pc="http://schemas.microsoft.com/office/powerpoint/2013/main/command">
+  <pc:docChgLst>
+    <pc:chgData name="Alef Santos" userId="e94e91ad3b9f2a1e" providerId="LiveId" clId="{317D0C74-1A91-4B1A-B33D-BF7CA403C565}"/>
+    <pc:docChg chg="undo custSel addSld modSld sldOrd">
+      <pc:chgData name="Alef Santos" userId="e94e91ad3b9f2a1e" providerId="LiveId" clId="{317D0C74-1A91-4B1A-B33D-BF7CA403C565}" dt="2024-06-20T18:53:48.220" v="1886" actId="57"/>
+      <pc:docMkLst>
+        <pc:docMk/>
+      </pc:docMkLst>
+      <pc:sldChg chg="modSp mod">
+        <pc:chgData name="Alef Santos" userId="e94e91ad3b9f2a1e" providerId="LiveId" clId="{317D0C74-1A91-4B1A-B33D-BF7CA403C565}" dt="2024-06-20T18:04:30.270" v="834" actId="20577"/>
+        <pc:sldMkLst>
+          <pc:docMk/>
+          <pc:sldMk cId="1476737285" sldId="256"/>
+        </pc:sldMkLst>
+        <pc:spChg chg="mod">
+          <ac:chgData name="Alef Santos" userId="e94e91ad3b9f2a1e" providerId="LiveId" clId="{317D0C74-1A91-4B1A-B33D-BF7CA403C565}" dt="2024-06-20T18:04:30.270" v="834" actId="20577"/>
+          <ac:spMkLst>
+            <pc:docMk/>
+            <pc:sldMk cId="1476737285" sldId="256"/>
+            <ac:spMk id="4" creationId="{869E8E5D-4854-4E3A-A84B-2FEE86682433}"/>
+          </ac:spMkLst>
+        </pc:spChg>
+      </pc:sldChg>
+      <pc:sldChg chg="addSp delSp modSp mod">
+        <pc:chgData name="Alef Santos" userId="e94e91ad3b9f2a1e" providerId="LiveId" clId="{317D0C74-1A91-4B1A-B33D-BF7CA403C565}" dt="2024-06-20T18:32:17.761" v="1564"/>
+        <pc:sldMkLst>
+          <pc:docMk/>
+          <pc:sldMk cId="2710746246" sldId="922"/>
+        </pc:sldMkLst>
+        <pc:spChg chg="mod">
+          <ac:chgData name="Alef Santos" userId="e94e91ad3b9f2a1e" providerId="LiveId" clId="{317D0C74-1A91-4B1A-B33D-BF7CA403C565}" dt="2024-06-20T16:47:46.901" v="21" actId="164"/>
+          <ac:spMkLst>
+            <pc:docMk/>
+            <pc:sldMk cId="2710746246" sldId="922"/>
+            <ac:spMk id="2" creationId="{82A1B7B9-CCD2-40E3-B986-8C4F3221341B}"/>
+          </ac:spMkLst>
+        </pc:spChg>
+        <pc:spChg chg="mod">
+          <ac:chgData name="Alef Santos" userId="e94e91ad3b9f2a1e" providerId="LiveId" clId="{317D0C74-1A91-4B1A-B33D-BF7CA403C565}" dt="2024-06-20T16:47:46.901" v="21" actId="164"/>
+          <ac:spMkLst>
+            <pc:docMk/>
+            <pc:sldMk cId="2710746246" sldId="922"/>
+            <ac:spMk id="4" creationId="{8080856D-BD99-4E24-8A93-87FF3B78D552}"/>
+          </ac:spMkLst>
+        </pc:spChg>
+        <pc:spChg chg="mod">
+          <ac:chgData name="Alef Santos" userId="e94e91ad3b9f2a1e" providerId="LiveId" clId="{317D0C74-1A91-4B1A-B33D-BF7CA403C565}" dt="2024-06-20T16:47:59.992" v="23" actId="164"/>
+          <ac:spMkLst>
+            <pc:docMk/>
+            <pc:sldMk cId="2710746246" sldId="922"/>
+            <ac:spMk id="5" creationId="{7E3AA7DD-3B2C-417A-9302-4651F4709513}"/>
+          </ac:spMkLst>
+        </pc:spChg>
+        <pc:spChg chg="mod">
+          <ac:chgData name="Alef Santos" userId="e94e91ad3b9f2a1e" providerId="LiveId" clId="{317D0C74-1A91-4B1A-B33D-BF7CA403C565}" dt="2024-06-20T16:47:59.992" v="23" actId="164"/>
+          <ac:spMkLst>
+            <pc:docMk/>
+            <pc:sldMk cId="2710746246" sldId="922"/>
+            <ac:spMk id="6" creationId="{FC49EEE5-3EB6-492D-82C7-791C6005A3EE}"/>
+          </ac:spMkLst>
+        </pc:spChg>
+        <pc:spChg chg="add mod">
+          <ac:chgData name="Alef Santos" userId="e94e91ad3b9f2a1e" providerId="LiveId" clId="{317D0C74-1A91-4B1A-B33D-BF7CA403C565}" dt="2024-06-20T16:50:45.952" v="147" actId="20577"/>
+          <ac:spMkLst>
+            <pc:docMk/>
+            <pc:sldMk cId="2710746246" sldId="922"/>
+            <ac:spMk id="8" creationId="{E01E1769-F9AC-48A1-8892-296BBC18A329}"/>
+          </ac:spMkLst>
+        </pc:spChg>
+        <pc:spChg chg="add del mod">
+          <ac:chgData name="Alef Santos" userId="e94e91ad3b9f2a1e" providerId="LiveId" clId="{317D0C74-1A91-4B1A-B33D-BF7CA403C565}" dt="2024-06-20T18:32:16.891" v="1563" actId="478"/>
+          <ac:spMkLst>
+            <pc:docMk/>
+            <pc:sldMk cId="2710746246" sldId="922"/>
+            <ac:spMk id="13" creationId="{67A8FF9B-8E11-4153-BDD3-4EDA4EB1F083}"/>
+          </ac:spMkLst>
+        </pc:spChg>
+        <pc:spChg chg="add mod">
+          <ac:chgData name="Alef Santos" userId="e94e91ad3b9f2a1e" providerId="LiveId" clId="{317D0C74-1A91-4B1A-B33D-BF7CA403C565}" dt="2024-06-20T18:32:17.761" v="1564"/>
+          <ac:spMkLst>
+            <pc:docMk/>
+            <pc:sldMk cId="2710746246" sldId="922"/>
+            <ac:spMk id="15" creationId="{264F17BF-F0C7-40CB-96B0-CEB3F9ABA924}"/>
+          </ac:spMkLst>
+        </pc:spChg>
+        <pc:grpChg chg="add mod">
+          <ac:chgData name="Alef Santos" userId="e94e91ad3b9f2a1e" providerId="LiveId" clId="{317D0C74-1A91-4B1A-B33D-BF7CA403C565}" dt="2024-06-20T16:48:57.384" v="34" actId="1076"/>
+          <ac:grpSpMkLst>
+            <pc:docMk/>
+            <pc:sldMk cId="2710746246" sldId="922"/>
+            <ac:grpSpMk id="3" creationId="{F736E5F0-0075-4C18-B4AB-EAA8A527EC90}"/>
+          </ac:grpSpMkLst>
+        </pc:grpChg>
+        <pc:grpChg chg="add mod">
+          <ac:chgData name="Alef Santos" userId="e94e91ad3b9f2a1e" providerId="LiveId" clId="{317D0C74-1A91-4B1A-B33D-BF7CA403C565}" dt="2024-06-20T16:48:57.384" v="34" actId="1076"/>
+          <ac:grpSpMkLst>
+            <pc:docMk/>
+            <pc:sldMk cId="2710746246" sldId="922"/>
+            <ac:grpSpMk id="7" creationId="{2E795C80-813E-49D6-B2CD-E01CB0F72EE7}"/>
+          </ac:grpSpMkLst>
+        </pc:grpChg>
+        <pc:picChg chg="mod">
+          <ac:chgData name="Alef Santos" userId="e94e91ad3b9f2a1e" providerId="LiveId" clId="{317D0C74-1A91-4B1A-B33D-BF7CA403C565}" dt="2024-06-20T16:48:39.532" v="32" actId="1076"/>
+          <ac:picMkLst>
+            <pc:docMk/>
+            <pc:sldMk cId="2710746246" sldId="922"/>
+            <ac:picMk id="12" creationId="{B1EBBB11-5A23-43CC-ABBF-854818FDD780}"/>
+          </ac:picMkLst>
+        </pc:picChg>
+        <pc:picChg chg="mod">
+          <ac:chgData name="Alef Santos" userId="e94e91ad3b9f2a1e" providerId="LiveId" clId="{317D0C74-1A91-4B1A-B33D-BF7CA403C565}" dt="2024-06-20T16:48:39.532" v="32" actId="1076"/>
+          <ac:picMkLst>
+            <pc:docMk/>
+            <pc:sldMk cId="2710746246" sldId="922"/>
+            <ac:picMk id="14" creationId="{F2948201-9276-4374-9D9C-B2F729FD2D21}"/>
+          </ac:picMkLst>
+        </pc:picChg>
+      </pc:sldChg>
+      <pc:sldChg chg="addSp delSp modSp mod">
+        <pc:chgData name="Alef Santos" userId="e94e91ad3b9f2a1e" providerId="LiveId" clId="{317D0C74-1A91-4B1A-B33D-BF7CA403C565}" dt="2024-06-20T18:35:34.520" v="1587" actId="1076"/>
+        <pc:sldMkLst>
+          <pc:docMk/>
+          <pc:sldMk cId="1574646815" sldId="945"/>
+        </pc:sldMkLst>
+        <pc:spChg chg="mod topLvl">
+          <ac:chgData name="Alef Santos" userId="e94e91ad3b9f2a1e" providerId="LiveId" clId="{317D0C74-1A91-4B1A-B33D-BF7CA403C565}" dt="2024-06-20T17:05:49.063" v="497" actId="164"/>
+          <ac:spMkLst>
+            <pc:docMk/>
+            <pc:sldMk cId="1574646815" sldId="945"/>
+            <ac:spMk id="5" creationId="{1611372A-C660-4DFB-A8B3-5C4D85110E6A}"/>
+          </ac:spMkLst>
+        </pc:spChg>
+        <pc:spChg chg="mod topLvl">
+          <ac:chgData name="Alef Santos" userId="e94e91ad3b9f2a1e" providerId="LiveId" clId="{317D0C74-1A91-4B1A-B33D-BF7CA403C565}" dt="2024-06-20T17:05:49.063" v="497" actId="164"/>
+          <ac:spMkLst>
+            <pc:docMk/>
+            <pc:sldMk cId="1574646815" sldId="945"/>
+            <ac:spMk id="6" creationId="{4F708C31-CEB4-4D90-9FA3-9A440562AE3D}"/>
+          </ac:spMkLst>
+        </pc:spChg>
+        <pc:spChg chg="add mod">
+          <ac:chgData name="Alef Santos" userId="e94e91ad3b9f2a1e" providerId="LiveId" clId="{317D0C74-1A91-4B1A-B33D-BF7CA403C565}" dt="2024-06-20T17:06:05.611" v="502"/>
+          <ac:spMkLst>
+            <pc:docMk/>
+            <pc:sldMk cId="1574646815" sldId="945"/>
+            <ac:spMk id="8" creationId="{D3EB5070-42E3-4A64-93A1-8D9E4CF0B598}"/>
+          </ac:spMkLst>
+        </pc:spChg>
+        <pc:spChg chg="add mod">
+          <ac:chgData name="Alef Santos" userId="e94e91ad3b9f2a1e" providerId="LiveId" clId="{317D0C74-1A91-4B1A-B33D-BF7CA403C565}" dt="2024-06-20T17:10:37.768" v="658" actId="1076"/>
+          <ac:spMkLst>
+            <pc:docMk/>
+            <pc:sldMk cId="1574646815" sldId="945"/>
+            <ac:spMk id="9" creationId="{4393C8D2-F201-4BA2-8B8B-C0EFBB2A9FC2}"/>
+          </ac:spMkLst>
+        </pc:spChg>
+        <pc:spChg chg="add mod">
+          <ac:chgData name="Alef Santos" userId="e94e91ad3b9f2a1e" providerId="LiveId" clId="{317D0C74-1A91-4B1A-B33D-BF7CA403C565}" dt="2024-06-20T18:35:34.520" v="1587" actId="1076"/>
+          <ac:spMkLst>
+            <pc:docMk/>
+            <pc:sldMk cId="1574646815" sldId="945"/>
+            <ac:spMk id="10" creationId="{CEE6AB7E-DDEE-41FE-873D-7D55E0B1D1F2}"/>
+          </ac:spMkLst>
+        </pc:spChg>
+        <pc:grpChg chg="add del mod">
+          <ac:chgData name="Alef Santos" userId="e94e91ad3b9f2a1e" providerId="LiveId" clId="{317D0C74-1A91-4B1A-B33D-BF7CA403C565}" dt="2024-06-20T17:04:56.613" v="488" actId="165"/>
+          <ac:grpSpMkLst>
+            <pc:docMk/>
+            <pc:sldMk cId="1574646815" sldId="945"/>
+            <ac:grpSpMk id="4" creationId="{69759FBB-4520-4860-9B4B-B53B9C9029CD}"/>
+          </ac:grpSpMkLst>
+        </pc:grpChg>
+        <pc:grpChg chg="add mod">
+          <ac:chgData name="Alef Santos" userId="e94e91ad3b9f2a1e" providerId="LiveId" clId="{317D0C74-1A91-4B1A-B33D-BF7CA403C565}" dt="2024-06-20T18:33:07.765" v="1570" actId="1076"/>
+          <ac:grpSpMkLst>
+            <pc:docMk/>
+            <pc:sldMk cId="1574646815" sldId="945"/>
+            <ac:grpSpMk id="7" creationId="{4063D64E-8B90-49C8-A468-D6EDC1F648F1}"/>
+          </ac:grpSpMkLst>
+        </pc:grpChg>
+        <pc:picChg chg="add mod">
+          <ac:chgData name="Alef Santos" userId="e94e91ad3b9f2a1e" providerId="LiveId" clId="{317D0C74-1A91-4B1A-B33D-BF7CA403C565}" dt="2024-06-20T18:33:06.511" v="1569" actId="1076"/>
+          <ac:picMkLst>
+            <pc:docMk/>
+            <pc:sldMk cId="1574646815" sldId="945"/>
+            <ac:picMk id="3" creationId="{E5C5CD0E-38A4-4E28-8E4D-F79198C25762}"/>
+          </ac:picMkLst>
+        </pc:picChg>
+      </pc:sldChg>
+      <pc:sldChg chg="addSp delSp modSp mod">
+        <pc:chgData name="Alef Santos" userId="e94e91ad3b9f2a1e" providerId="LiveId" clId="{317D0C74-1A91-4B1A-B33D-BF7CA403C565}" dt="2024-06-20T18:32:37.614" v="1567" actId="113"/>
+        <pc:sldMkLst>
+          <pc:docMk/>
+          <pc:sldMk cId="414353908" sldId="946"/>
+        </pc:sldMkLst>
+        <pc:spChg chg="mod">
+          <ac:chgData name="Alef Santos" userId="e94e91ad3b9f2a1e" providerId="LiveId" clId="{317D0C74-1A91-4B1A-B33D-BF7CA403C565}" dt="2024-06-20T16:05:31.294" v="3" actId="164"/>
+          <ac:spMkLst>
+            <pc:docMk/>
+            <pc:sldMk cId="414353908" sldId="946"/>
+            <ac:spMk id="2" creationId="{82A1B7B9-CCD2-40E3-B986-8C4F3221341B}"/>
+          </ac:spMkLst>
+        </pc:spChg>
+        <pc:spChg chg="mod">
+          <ac:chgData name="Alef Santos" userId="e94e91ad3b9f2a1e" providerId="LiveId" clId="{317D0C74-1A91-4B1A-B33D-BF7CA403C565}" dt="2024-06-20T16:05:31.294" v="3" actId="164"/>
+          <ac:spMkLst>
+            <pc:docMk/>
+            <pc:sldMk cId="414353908" sldId="946"/>
+            <ac:spMk id="4" creationId="{8080856D-BD99-4E24-8A93-87FF3B78D552}"/>
+          </ac:spMkLst>
+        </pc:spChg>
+        <pc:spChg chg="add mod">
+          <ac:chgData name="Alef Santos" userId="e94e91ad3b9f2a1e" providerId="LiveId" clId="{317D0C74-1A91-4B1A-B33D-BF7CA403C565}" dt="2024-06-20T16:57:07.713" v="485" actId="1076"/>
+          <ac:spMkLst>
+            <pc:docMk/>
+            <pc:sldMk cId="414353908" sldId="946"/>
+            <ac:spMk id="5" creationId="{E4BD733D-01AA-4ECA-9111-F9151C727413}"/>
+          </ac:spMkLst>
+        </pc:spChg>
+        <pc:spChg chg="add del mod">
+          <ac:chgData name="Alef Santos" userId="e94e91ad3b9f2a1e" providerId="LiveId" clId="{317D0C74-1A91-4B1A-B33D-BF7CA403C565}" dt="2024-06-20T16:51:32.141" v="152"/>
+          <ac:spMkLst>
+            <pc:docMk/>
+            <pc:sldMk cId="414353908" sldId="946"/>
+            <ac:spMk id="6" creationId="{AEDC76A6-C12E-4A71-8FDE-FEBB945FAF85}"/>
+          </ac:spMkLst>
+        </pc:spChg>
+        <pc:spChg chg="add mod ord">
+          <ac:chgData name="Alef Santos" userId="e94e91ad3b9f2a1e" providerId="LiveId" clId="{317D0C74-1A91-4B1A-B33D-BF7CA403C565}" dt="2024-06-20T16:57:07.713" v="485" actId="1076"/>
+          <ac:spMkLst>
+            <pc:docMk/>
+            <pc:sldMk cId="414353908" sldId="946"/>
+            <ac:spMk id="8" creationId="{89C887F3-C451-4BB9-847B-F9FD0E6F1DCE}"/>
+          </ac:spMkLst>
+        </pc:spChg>
+        <pc:spChg chg="add mod">
+          <ac:chgData name="Alef Santos" userId="e94e91ad3b9f2a1e" providerId="LiveId" clId="{317D0C74-1A91-4B1A-B33D-BF7CA403C565}" dt="2024-06-20T18:32:37.614" v="1567" actId="113"/>
+          <ac:spMkLst>
+            <pc:docMk/>
+            <pc:sldMk cId="414353908" sldId="946"/>
+            <ac:spMk id="11" creationId="{FAC2595E-7CE6-44FC-9B5E-0258A652A472}"/>
+          </ac:spMkLst>
+        </pc:spChg>
+        <pc:grpChg chg="add mod">
+          <ac:chgData name="Alef Santos" userId="e94e91ad3b9f2a1e" providerId="LiveId" clId="{317D0C74-1A91-4B1A-B33D-BF7CA403C565}" dt="2024-06-20T18:30:19.032" v="1558" actId="1076"/>
+          <ac:grpSpMkLst>
+            <pc:docMk/>
+            <pc:sldMk cId="414353908" sldId="946"/>
+            <ac:grpSpMk id="3" creationId="{D0BCE461-4B72-49EB-83D0-60A757A25EB8}"/>
+          </ac:grpSpMkLst>
+        </pc:grpChg>
+        <pc:picChg chg="del mod">
+          <ac:chgData name="Alef Santos" userId="e94e91ad3b9f2a1e" providerId="LiveId" clId="{317D0C74-1A91-4B1A-B33D-BF7CA403C565}" dt="2024-06-20T17:29:22.840" v="663" actId="478"/>
+          <ac:picMkLst>
+            <pc:docMk/>
+            <pc:sldMk cId="414353908" sldId="946"/>
+            <ac:picMk id="7" creationId="{4BF84659-41C8-4AD3-84BF-D95CBBF3EDA4}"/>
+          </ac:picMkLst>
+        </pc:picChg>
+        <pc:picChg chg="add mod">
+          <ac:chgData name="Alef Santos" userId="e94e91ad3b9f2a1e" providerId="LiveId" clId="{317D0C74-1A91-4B1A-B33D-BF7CA403C565}" dt="2024-06-20T18:30:10.871" v="1557" actId="1076"/>
+          <ac:picMkLst>
+            <pc:docMk/>
+            <pc:sldMk cId="414353908" sldId="946"/>
+            <ac:picMk id="10" creationId="{2DAB6E29-D5A2-4217-9D54-BE800B73D248}"/>
+          </ac:picMkLst>
+        </pc:picChg>
+      </pc:sldChg>
+      <pc:sldChg chg="addSp delSp modSp add mod">
+        <pc:chgData name="Alef Santos" userId="e94e91ad3b9f2a1e" providerId="LiveId" clId="{317D0C74-1A91-4B1A-B33D-BF7CA403C565}" dt="2024-06-20T18:35:22.825" v="1585" actId="1076"/>
+        <pc:sldMkLst>
+          <pc:docMk/>
+          <pc:sldMk cId="2364429890" sldId="947"/>
+        </pc:sldMkLst>
+        <pc:spChg chg="mod">
+          <ac:chgData name="Alef Santos" userId="e94e91ad3b9f2a1e" providerId="LiveId" clId="{317D0C74-1A91-4B1A-B33D-BF7CA403C565}" dt="2024-06-20T17:58:22.763" v="815" actId="20577"/>
+          <ac:spMkLst>
+            <pc:docMk/>
+            <pc:sldMk cId="2364429890" sldId="947"/>
+            <ac:spMk id="9" creationId="{4393C8D2-F201-4BA2-8B8B-C0EFBB2A9FC2}"/>
+          </ac:spMkLst>
+        </pc:spChg>
+        <pc:spChg chg="add del">
+          <ac:chgData name="Alef Santos" userId="e94e91ad3b9f2a1e" providerId="LiveId" clId="{317D0C74-1A91-4B1A-B33D-BF7CA403C565}" dt="2024-06-20T17:55:22.432" v="677" actId="22"/>
+          <ac:spMkLst>
+            <pc:docMk/>
+            <pc:sldMk cId="2364429890" sldId="947"/>
+            <ac:spMk id="11" creationId="{77AEC28B-7273-4762-8BE0-F31D437FDF4A}"/>
+          </ac:spMkLst>
+        </pc:spChg>
+        <pc:spChg chg="mod topLvl">
+          <ac:chgData name="Alef Santos" userId="e94e91ad3b9f2a1e" providerId="LiveId" clId="{317D0C74-1A91-4B1A-B33D-BF7CA403C565}" dt="2024-06-20T17:56:23.760" v="728" actId="164"/>
+          <ac:spMkLst>
+            <pc:docMk/>
+            <pc:sldMk cId="2364429890" sldId="947"/>
+            <ac:spMk id="13" creationId="{A0F7E74D-8976-4B78-A3D6-B983312FEF81}"/>
+          </ac:spMkLst>
+        </pc:spChg>
+        <pc:spChg chg="mod topLvl">
+          <ac:chgData name="Alef Santos" userId="e94e91ad3b9f2a1e" providerId="LiveId" clId="{317D0C74-1A91-4B1A-B33D-BF7CA403C565}" dt="2024-06-20T17:56:23.760" v="728" actId="164"/>
+          <ac:spMkLst>
+            <pc:docMk/>
+            <pc:sldMk cId="2364429890" sldId="947"/>
+            <ac:spMk id="14" creationId="{1A3C9E90-606A-47FC-9D30-0559260A7CD2}"/>
+          </ac:spMkLst>
+        </pc:spChg>
+        <pc:spChg chg="add mod">
+          <ac:chgData name="Alef Santos" userId="e94e91ad3b9f2a1e" providerId="LiveId" clId="{317D0C74-1A91-4B1A-B33D-BF7CA403C565}" dt="2024-06-20T18:35:22.825" v="1585" actId="1076"/>
+          <ac:spMkLst>
+            <pc:docMk/>
+            <pc:sldMk cId="2364429890" sldId="947"/>
+            <ac:spMk id="16" creationId="{E4AF86BB-2FA2-4C26-A594-085B2AD3FB88}"/>
+          </ac:spMkLst>
+        </pc:spChg>
+        <pc:grpChg chg="del">
+          <ac:chgData name="Alef Santos" userId="e94e91ad3b9f2a1e" providerId="LiveId" clId="{317D0C74-1A91-4B1A-B33D-BF7CA403C565}" dt="2024-06-20T17:55:19.930" v="675" actId="478"/>
+          <ac:grpSpMkLst>
+            <pc:docMk/>
+            <pc:sldMk cId="2364429890" sldId="947"/>
+            <ac:grpSpMk id="7" creationId="{4063D64E-8B90-49C8-A468-D6EDC1F648F1}"/>
+          </ac:grpSpMkLst>
+        </pc:grpChg>
+        <pc:grpChg chg="add del mod">
+          <ac:chgData name="Alef Santos" userId="e94e91ad3b9f2a1e" providerId="LiveId" clId="{317D0C74-1A91-4B1A-B33D-BF7CA403C565}" dt="2024-06-20T17:55:38.445" v="680" actId="165"/>
+          <ac:grpSpMkLst>
+            <pc:docMk/>
+            <pc:sldMk cId="2364429890" sldId="947"/>
+            <ac:grpSpMk id="12" creationId="{569F1879-4456-4EB0-81F1-2AFFFA186F1D}"/>
+          </ac:grpSpMkLst>
+        </pc:grpChg>
+        <pc:grpChg chg="add mod">
+          <ac:chgData name="Alef Santos" userId="e94e91ad3b9f2a1e" providerId="LiveId" clId="{317D0C74-1A91-4B1A-B33D-BF7CA403C565}" dt="2024-06-20T18:34:44.891" v="1580" actId="1076"/>
+          <ac:grpSpMkLst>
+            <pc:docMk/>
+            <pc:sldMk cId="2364429890" sldId="947"/>
+            <ac:grpSpMk id="15" creationId="{9F3CF6E3-6B09-4A3C-A837-8EDEF377CD88}"/>
+          </ac:grpSpMkLst>
+        </pc:grpChg>
+        <pc:picChg chg="del">
+          <ac:chgData name="Alef Santos" userId="e94e91ad3b9f2a1e" providerId="LiveId" clId="{317D0C74-1A91-4B1A-B33D-BF7CA403C565}" dt="2024-06-20T17:48:35.511" v="668" actId="478"/>
+          <ac:picMkLst>
+            <pc:docMk/>
+            <pc:sldMk cId="2364429890" sldId="947"/>
+            <ac:picMk id="3" creationId="{E5C5CD0E-38A4-4E28-8E4D-F79198C25762}"/>
+          </ac:picMkLst>
+        </pc:picChg>
+        <pc:picChg chg="add mod">
+          <ac:chgData name="Alef Santos" userId="e94e91ad3b9f2a1e" providerId="LiveId" clId="{317D0C74-1A91-4B1A-B33D-BF7CA403C565}" dt="2024-06-20T18:34:42.460" v="1579" actId="1076"/>
+          <ac:picMkLst>
+            <pc:docMk/>
+            <pc:sldMk cId="2364429890" sldId="947"/>
+            <ac:picMk id="4" creationId="{193B0D01-8B23-46CB-9583-229602E422A3}"/>
+          </ac:picMkLst>
+        </pc:picChg>
+      </pc:sldChg>
+      <pc:sldChg chg="addSp delSp modSp add mod ord">
+        <pc:chgData name="Alef Santos" userId="e94e91ad3b9f2a1e" providerId="LiveId" clId="{317D0C74-1A91-4B1A-B33D-BF7CA403C565}" dt="2024-06-20T18:28:32.811" v="1549" actId="122"/>
+        <pc:sldMkLst>
+          <pc:docMk/>
+          <pc:sldMk cId="3117017448" sldId="948"/>
+        </pc:sldMkLst>
+        <pc:spChg chg="del mod topLvl">
+          <ac:chgData name="Alef Santos" userId="e94e91ad3b9f2a1e" providerId="LiveId" clId="{317D0C74-1A91-4B1A-B33D-BF7CA403C565}" dt="2024-06-20T18:16:44.110" v="840" actId="478"/>
+          <ac:spMkLst>
+            <pc:docMk/>
+            <pc:sldMk cId="3117017448" sldId="948"/>
+            <ac:spMk id="2" creationId="{82A1B7B9-CCD2-40E3-B986-8C4F3221341B}"/>
+          </ac:spMkLst>
+        </pc:spChg>
+        <pc:spChg chg="del mod topLvl">
+          <ac:chgData name="Alef Santos" userId="e94e91ad3b9f2a1e" providerId="LiveId" clId="{317D0C74-1A91-4B1A-B33D-BF7CA403C565}" dt="2024-06-20T18:16:48.711" v="844" actId="478"/>
+          <ac:spMkLst>
+            <pc:docMk/>
+            <pc:sldMk cId="3117017448" sldId="948"/>
+            <ac:spMk id="4" creationId="{8080856D-BD99-4E24-8A93-87FF3B78D552}"/>
+          </ac:spMkLst>
+        </pc:spChg>
+        <pc:spChg chg="add mod">
+          <ac:chgData name="Alef Santos" userId="e94e91ad3b9f2a1e" providerId="LiveId" clId="{317D0C74-1A91-4B1A-B33D-BF7CA403C565}" dt="2024-06-20T18:28:32.811" v="1549" actId="122"/>
+          <ac:spMkLst>
+            <pc:docMk/>
+            <pc:sldMk cId="3117017448" sldId="948"/>
+            <ac:spMk id="9" creationId="{A674048A-01D4-47EA-B2CE-F3F6D94BFCAB}"/>
+          </ac:spMkLst>
+        </pc:spChg>
+        <pc:grpChg chg="del">
+          <ac:chgData name="Alef Santos" userId="e94e91ad3b9f2a1e" providerId="LiveId" clId="{317D0C74-1A91-4B1A-B33D-BF7CA403C565}" dt="2024-06-20T18:16:44.110" v="840" actId="478"/>
+          <ac:grpSpMkLst>
+            <pc:docMk/>
+            <pc:sldMk cId="3117017448" sldId="948"/>
+            <ac:grpSpMk id="3" creationId="{F736E5F0-0075-4C18-B4AB-EAA8A527EC90}"/>
+          </ac:grpSpMkLst>
+        </pc:grpChg>
+        <pc:grpChg chg="del">
+          <ac:chgData name="Alef Santos" userId="e94e91ad3b9f2a1e" providerId="LiveId" clId="{317D0C74-1A91-4B1A-B33D-BF7CA403C565}" dt="2024-06-20T18:16:46.580" v="843" actId="478"/>
+          <ac:grpSpMkLst>
+            <pc:docMk/>
+            <pc:sldMk cId="3117017448" sldId="948"/>
+            <ac:grpSpMk id="7" creationId="{2E795C80-813E-49D6-B2CD-E01CB0F72EE7}"/>
+          </ac:grpSpMkLst>
+        </pc:grpChg>
+        <pc:picChg chg="del">
+          <ac:chgData name="Alef Santos" userId="e94e91ad3b9f2a1e" providerId="LiveId" clId="{317D0C74-1A91-4B1A-B33D-BF7CA403C565}" dt="2024-06-20T18:16:41.720" v="838" actId="478"/>
+          <ac:picMkLst>
+            <pc:docMk/>
+            <pc:sldMk cId="3117017448" sldId="948"/>
+            <ac:picMk id="12" creationId="{B1EBBB11-5A23-43CC-ABBF-854818FDD780}"/>
+          </ac:picMkLst>
+        </pc:picChg>
+        <pc:picChg chg="del">
+          <ac:chgData name="Alef Santos" userId="e94e91ad3b9f2a1e" providerId="LiveId" clId="{317D0C74-1A91-4B1A-B33D-BF7CA403C565}" dt="2024-06-20T18:16:44.950" v="841" actId="478"/>
+          <ac:picMkLst>
+            <pc:docMk/>
+            <pc:sldMk cId="3117017448" sldId="948"/>
+            <ac:picMk id="14" creationId="{F2948201-9276-4374-9D9C-B2F729FD2D21}"/>
+          </ac:picMkLst>
+        </pc:picChg>
+      </pc:sldChg>
+      <pc:sldChg chg="addSp delSp modSp add mod">
+        <pc:chgData name="Alef Santos" userId="e94e91ad3b9f2a1e" providerId="LiveId" clId="{317D0C74-1A91-4B1A-B33D-BF7CA403C565}" dt="2024-06-20T18:53:48.220" v="1886" actId="57"/>
+        <pc:sldMkLst>
+          <pc:docMk/>
+          <pc:sldMk cId="2788675013" sldId="949"/>
+        </pc:sldMkLst>
+        <pc:spChg chg="add mod">
+          <ac:chgData name="Alef Santos" userId="e94e91ad3b9f2a1e" providerId="LiveId" clId="{317D0C74-1A91-4B1A-B33D-BF7CA403C565}" dt="2024-06-20T18:50:42.320" v="1813" actId="2085"/>
+          <ac:spMkLst>
+            <pc:docMk/>
+            <pc:sldMk cId="2788675013" sldId="949"/>
+            <ac:spMk id="2" creationId="{D036FCB1-369C-48C7-AD76-A26CB4D8927A}"/>
+          </ac:spMkLst>
+        </pc:spChg>
+        <pc:spChg chg="add mod">
+          <ac:chgData name="Alef Santos" userId="e94e91ad3b9f2a1e" providerId="LiveId" clId="{317D0C74-1A91-4B1A-B33D-BF7CA403C565}" dt="2024-06-20T18:43:12.831" v="1677" actId="20577"/>
+          <ac:spMkLst>
+            <pc:docMk/>
+            <pc:sldMk cId="2788675013" sldId="949"/>
+            <ac:spMk id="3" creationId="{7B5DC8E1-04A6-4555-99B3-C0016CB958F1}"/>
+          </ac:spMkLst>
+        </pc:spChg>
+        <pc:spChg chg="add mod">
+          <ac:chgData name="Alef Santos" userId="e94e91ad3b9f2a1e" providerId="LiveId" clId="{317D0C74-1A91-4B1A-B33D-BF7CA403C565}" dt="2024-06-20T18:53:48.220" v="1886" actId="57"/>
+          <ac:spMkLst>
+            <pc:docMk/>
+            <pc:sldMk cId="2788675013" sldId="949"/>
+            <ac:spMk id="5" creationId="{384451C3-A682-4185-9723-C1042738E416}"/>
+          </ac:spMkLst>
+        </pc:spChg>
+        <pc:spChg chg="del">
+          <ac:chgData name="Alef Santos" userId="e94e91ad3b9f2a1e" providerId="LiveId" clId="{317D0C74-1A91-4B1A-B33D-BF7CA403C565}" dt="2024-06-20T18:39:26.630" v="1590" actId="478"/>
+          <ac:spMkLst>
+            <pc:docMk/>
+            <pc:sldMk cId="2788675013" sldId="949"/>
+            <ac:spMk id="8" creationId="{D3EB5070-42E3-4A64-93A1-8D9E4CF0B598}"/>
+          </ac:spMkLst>
+        </pc:spChg>
+        <pc:spChg chg="add mod">
+          <ac:chgData name="Alef Santos" userId="e94e91ad3b9f2a1e" providerId="LiveId" clId="{317D0C74-1A91-4B1A-B33D-BF7CA403C565}" dt="2024-06-20T18:50:45.220" v="1814" actId="2085"/>
+          <ac:spMkLst>
+            <pc:docMk/>
+            <pc:sldMk cId="2788675013" sldId="949"/>
+            <ac:spMk id="10" creationId="{45C6DBA0-AB29-4B85-AFD9-82106C1E541E}"/>
+          </ac:spMkLst>
+        </pc:spChg>
+        <pc:spChg chg="add mod">
+          <ac:chgData name="Alef Santos" userId="e94e91ad3b9f2a1e" providerId="LiveId" clId="{317D0C74-1A91-4B1A-B33D-BF7CA403C565}" dt="2024-06-20T18:51:08.757" v="1818" actId="2085"/>
+          <ac:spMkLst>
+            <pc:docMk/>
+            <pc:sldMk cId="2788675013" sldId="949"/>
+            <ac:spMk id="11" creationId="{898B90AB-7897-44D8-B480-3585C00C3BE9}"/>
+          </ac:spMkLst>
+        </pc:spChg>
+        <pc:spChg chg="add mod">
+          <ac:chgData name="Alef Santos" userId="e94e91ad3b9f2a1e" providerId="LiveId" clId="{317D0C74-1A91-4B1A-B33D-BF7CA403C565}" dt="2024-06-20T18:51:12.794" v="1819" actId="2085"/>
+          <ac:spMkLst>
+            <pc:docMk/>
+            <pc:sldMk cId="2788675013" sldId="949"/>
+            <ac:spMk id="12" creationId="{2D23AB4D-C94C-490A-9667-0E16CF472CD1}"/>
+          </ac:spMkLst>
+        </pc:spChg>
+        <pc:spChg chg="del mod topLvl">
+          <ac:chgData name="Alef Santos" userId="e94e91ad3b9f2a1e" providerId="LiveId" clId="{317D0C74-1A91-4B1A-B33D-BF7CA403C565}" dt="2024-06-20T18:39:28.586" v="1592" actId="478"/>
+          <ac:spMkLst>
+            <pc:docMk/>
+            <pc:sldMk cId="2788675013" sldId="949"/>
+            <ac:spMk id="13" creationId="{A0F7E74D-8976-4B78-A3D6-B983312FEF81}"/>
+          </ac:spMkLst>
+        </pc:spChg>
+        <pc:spChg chg="del topLvl">
+          <ac:chgData name="Alef Santos" userId="e94e91ad3b9f2a1e" providerId="LiveId" clId="{317D0C74-1A91-4B1A-B33D-BF7CA403C565}" dt="2024-06-20T18:39:32.109" v="1593" actId="478"/>
+          <ac:spMkLst>
+            <pc:docMk/>
+            <pc:sldMk cId="2788675013" sldId="949"/>
+            <ac:spMk id="14" creationId="{1A3C9E90-606A-47FC-9D30-0559260A7CD2}"/>
+          </ac:spMkLst>
+        </pc:spChg>
+        <pc:spChg chg="mod">
+          <ac:chgData name="Alef Santos" userId="e94e91ad3b9f2a1e" providerId="LiveId" clId="{317D0C74-1A91-4B1A-B33D-BF7CA403C565}" dt="2024-06-20T18:39:55.150" v="1599" actId="113"/>
+          <ac:spMkLst>
+            <pc:docMk/>
+            <pc:sldMk cId="2788675013" sldId="949"/>
+            <ac:spMk id="16" creationId="{E4AF86BB-2FA2-4C26-A594-085B2AD3FB88}"/>
+          </ac:spMkLst>
+        </pc:spChg>
+        <pc:spChg chg="add mod">
+          <ac:chgData name="Alef Santos" userId="e94e91ad3b9f2a1e" providerId="LiveId" clId="{317D0C74-1A91-4B1A-B33D-BF7CA403C565}" dt="2024-06-20T18:46:51.693" v="1753" actId="20577"/>
+          <ac:spMkLst>
+            <pc:docMk/>
+            <pc:sldMk cId="2788675013" sldId="949"/>
+            <ac:spMk id="17" creationId="{9A904A20-274C-4049-BA80-B59085BDD46C}"/>
+          </ac:spMkLst>
+        </pc:spChg>
+        <pc:spChg chg="add mod">
+          <ac:chgData name="Alef Santos" userId="e94e91ad3b9f2a1e" providerId="LiveId" clId="{317D0C74-1A91-4B1A-B33D-BF7CA403C565}" dt="2024-06-20T18:51:01.410" v="1817" actId="2085"/>
+          <ac:spMkLst>
+            <pc:docMk/>
+            <pc:sldMk cId="2788675013" sldId="949"/>
+            <ac:spMk id="18" creationId="{3F1A6DA6-5DC0-4228-9F1A-9857D6413866}"/>
+          </ac:spMkLst>
+        </pc:spChg>
+        <pc:spChg chg="add mod">
+          <ac:chgData name="Alef Santos" userId="e94e91ad3b9f2a1e" providerId="LiveId" clId="{317D0C74-1A91-4B1A-B33D-BF7CA403C565}" dt="2024-06-20T18:53:00.396" v="1833" actId="57"/>
+          <ac:spMkLst>
+            <pc:docMk/>
+            <pc:sldMk cId="2788675013" sldId="949"/>
+            <ac:spMk id="19" creationId="{EDA7DC3E-2CF0-4F6E-9343-D7C3630614F4}"/>
+          </ac:spMkLst>
+        </pc:spChg>
+        <pc:grpChg chg="del">
+          <ac:chgData name="Alef Santos" userId="e94e91ad3b9f2a1e" providerId="LiveId" clId="{317D0C74-1A91-4B1A-B33D-BF7CA403C565}" dt="2024-06-20T18:39:28.586" v="1592" actId="478"/>
+          <ac:grpSpMkLst>
+            <pc:docMk/>
+            <pc:sldMk cId="2788675013" sldId="949"/>
+            <ac:grpSpMk id="15" creationId="{9F3CF6E3-6B09-4A3C-A837-8EDEF377CD88}"/>
+          </ac:grpSpMkLst>
+        </pc:grpChg>
+        <pc:picChg chg="del">
+          <ac:chgData name="Alef Santos" userId="e94e91ad3b9f2a1e" providerId="LiveId" clId="{317D0C74-1A91-4B1A-B33D-BF7CA403C565}" dt="2024-06-20T18:39:23.052" v="1589" actId="478"/>
+          <ac:picMkLst>
+            <pc:docMk/>
+            <pc:sldMk cId="2788675013" sldId="949"/>
+            <ac:picMk id="4" creationId="{193B0D01-8B23-46CB-9583-229602E422A3}"/>
+          </ac:picMkLst>
+        </pc:picChg>
+      </pc:sldChg>
+    </pc:docChg>
+  </pc:docChgLst>
+</pc:chgInfo>
+</file>
+
 <file path=ppt/handoutMasters/handoutMaster1.xml><?xml version="1.0" encoding="utf-8"?>
 <p:handoutMaster xmlns:a="http://schemas.openxmlformats.org/drawingml/2006/main" xmlns:r="http://schemas.openxmlformats.org/officeDocument/2006/relationships" xmlns:p="http://schemas.openxmlformats.org/presentationml/2006/main">
   <p:cSld>
@@ -224,7 +778,7 @@
           <a:p>
             <a:fld id="{A475A829-2C09-4158-9A6C-8C2E8AC2F6C5}" type="datetime1">
               <a:rPr lang="pt-BR" smtClean="0"/>
-              <a:t>19/06/2024</a:t>
+              <a:t>20/06/2024</a:t>
             </a:fld>
             <a:endParaRPr lang="pt-BR" dirty="0"/>
           </a:p>
@@ -402,7 +956,7 @@
           <a:p>
             <a:fld id="{058C80BB-B020-4C47-9BB6-7B39E15BB53E}" type="datetime1">
               <a:rPr lang="pt-BR" smtClean="0"/>
-              <a:t>19/06/2024</a:t>
+              <a:t>20/06/2024</a:t>
             </a:fld>
             <a:endParaRPr lang="pt-BR" dirty="0"/>
           </a:p>
@@ -735,7 +1289,7 @@
           <a:p>
             <a:fld id="{058C80BB-B020-4C47-9BB6-7B39E15BB53E}" type="datetime1">
               <a:rPr lang="pt-BR" smtClean="0"/>
-              <a:t>19/06/2024</a:t>
+              <a:t>20/06/2024</a:t>
             </a:fld>
             <a:endParaRPr lang="pt-BR" dirty="0"/>
           </a:p>
@@ -758,7 +1312,7 @@
           <a:p>
             <a:fld id="{5BB9B87C-FFE2-45B0-9290-ACA445549D7C}" type="slidenum">
               <a:rPr lang="pt-BR" smtClean="0"/>
-              <a:t>3</a:t>
+              <a:t>4</a:t>
             </a:fld>
             <a:endParaRPr lang="pt-BR" dirty="0"/>
           </a:p>
@@ -7186,7 +7740,7 @@
               </a:rPr>
               <a:t>‹nº›</a:t>
             </a:fld>
-            <a:endParaRPr lang="pt-BR" sz="1600" b="0" strike="noStrike" spc="-1">
+            <a:endParaRPr lang="pt-BR" sz="1600" b="0" strike="noStrike" spc="-1" dirty="0">
               <a:latin typeface="Times New Roman"/>
             </a:endParaRPr>
           </a:p>
@@ -7608,22 +8162,16 @@
               <a:defRPr/>
             </a:pPr>
             <a:r>
-              <a:rPr kumimoji="0" lang="pt-BR" sz="3000" b="1" i="0" u="none" strike="noStrike" kern="0" cap="none" spc="0" normalizeH="0" baseline="0" noProof="0" dirty="0">
-                <a:ln>
-                  <a:noFill/>
-                </a:ln>
+              <a:rPr lang="pt-BR" sz="3000" b="1" kern="0" dirty="0">
                 <a:solidFill>
                   <a:srgbClr val="FFFFFF"/>
                 </a:solidFill>
-                <a:effectLst/>
-                <a:uLnTx/>
-                <a:uFillTx/>
                 <a:latin typeface="Montserrat" panose="00000500000000000000" pitchFamily="2" charset="0"/>
                 <a:ea typeface="Calibri"/>
                 <a:cs typeface="Calibri"/>
                 <a:sym typeface="Calibri"/>
               </a:rPr>
-              <a:t>data</a:t>
+              <a:t>20/06/2024</a:t>
             </a:r>
             <a:endParaRPr kumimoji="0" sz="1400" b="1" i="0" u="none" strike="noStrike" kern="0" cap="none" spc="0" normalizeH="0" baseline="0" noProof="0" dirty="0">
               <a:ln>
@@ -7674,62 +8222,10 @@
       </p:grpSpPr>
       <p:sp>
         <p:nvSpPr>
-          <p:cNvPr id="2" name="Retângulo: Cantos Arredondados 1">
+          <p:cNvPr id="8" name="CaixaDeTexto 7">
             <a:extLst>
               <a:ext uri="{FF2B5EF4-FFF2-40B4-BE49-F238E27FC236}">
-                <a16:creationId xmlns:a16="http://schemas.microsoft.com/office/drawing/2014/main" id="{82A1B7B9-CCD2-40E3-B986-8C4F3221341B}"/>
-              </a:ext>
-            </a:extLst>
-          </p:cNvPr>
-          <p:cNvSpPr/>
-          <p:nvPr/>
-        </p:nvSpPr>
-        <p:spPr>
-          <a:xfrm>
-            <a:off x="1389531" y="797859"/>
-            <a:ext cx="2788023" cy="768860"/>
-          </a:xfrm>
-          <a:prstGeom prst="roundRect">
-            <a:avLst/>
-          </a:prstGeom>
-          <a:ln>
-            <a:noFill/>
-          </a:ln>
-        </p:spPr>
-        <p:style>
-          <a:lnRef idx="2">
-            <a:schemeClr val="accent1">
-              <a:shade val="50000"/>
-            </a:schemeClr>
-          </a:lnRef>
-          <a:fillRef idx="1">
-            <a:schemeClr val="accent1"/>
-          </a:fillRef>
-          <a:effectRef idx="0">
-            <a:schemeClr val="accent1"/>
-          </a:effectRef>
-          <a:fontRef idx="minor">
-            <a:schemeClr val="lt1"/>
-          </a:fontRef>
-        </p:style>
-        <p:txBody>
-          <a:bodyPr rtlCol="0" anchor="t"/>
-          <a:lstStyle/>
-          <a:p>
-            <a:pPr algn="ctr"/>
-            <a:r>
-              <a:rPr lang="pt-BR" sz="3200" dirty="0"/>
-              <a:t>R$ 12.400</a:t>
-            </a:r>
-          </a:p>
-        </p:txBody>
-      </p:sp>
-      <p:sp>
-        <p:nvSpPr>
-          <p:cNvPr id="4" name="CaixaDeTexto 3">
-            <a:extLst>
-              <a:ext uri="{FF2B5EF4-FFF2-40B4-BE49-F238E27FC236}">
-                <a16:creationId xmlns:a16="http://schemas.microsoft.com/office/drawing/2014/main" id="{8080856D-BD99-4E24-8A93-87FF3B78D552}"/>
+                <a16:creationId xmlns:a16="http://schemas.microsoft.com/office/drawing/2014/main" id="{E01E1769-F9AC-48A1-8892-296BBC18A329}"/>
               </a:ext>
             </a:extLst>
           </p:cNvPr>
@@ -7738,8 +8234,8 @@
         </p:nvSpPr>
         <p:spPr>
           <a:xfrm>
-            <a:off x="2193508" y="1258942"/>
-            <a:ext cx="1180067" cy="307777"/>
+            <a:off x="1931142" y="6409765"/>
+            <a:ext cx="8329716" cy="369332"/>
           </a:xfrm>
           <a:prstGeom prst="rect">
             <a:avLst/>
@@ -7753,74 +8249,22 @@
           <a:lstStyle/>
           <a:p>
             <a:r>
-              <a:rPr lang="pt-BR" sz="1400" b="1" dirty="0">
-                <a:solidFill>
-                  <a:srgbClr val="FFC000"/>
+              <a:rPr lang="pt-BR" dirty="0">
+                <a:solidFill>
+                  <a:schemeClr val="bg1"/>
                 </a:solidFill>
               </a:rPr>
-              <a:t>Médico Geral</a:t>
-            </a:r>
-          </a:p>
-        </p:txBody>
-      </p:sp>
-      <p:sp>
-        <p:nvSpPr>
-          <p:cNvPr id="5" name="Retângulo: Cantos Arredondados 4">
+              <a:t>Valores estimados com base nos dados da PNAD Contínua do quarto trimestre de 2023.</a:t>
+            </a:r>
+          </a:p>
+        </p:txBody>
+      </p:sp>
+      <p:sp>
+        <p:nvSpPr>
+          <p:cNvPr id="9" name="CaixaDeTexto 8">
             <a:extLst>
               <a:ext uri="{FF2B5EF4-FFF2-40B4-BE49-F238E27FC236}">
-                <a16:creationId xmlns:a16="http://schemas.microsoft.com/office/drawing/2014/main" id="{7E3AA7DD-3B2C-417A-9302-4651F4709513}"/>
-              </a:ext>
-            </a:extLst>
-          </p:cNvPr>
-          <p:cNvSpPr/>
-          <p:nvPr/>
-        </p:nvSpPr>
-        <p:spPr>
-          <a:xfrm>
-            <a:off x="7494496" y="797859"/>
-            <a:ext cx="2788023" cy="768860"/>
-          </a:xfrm>
-          <a:prstGeom prst="roundRect">
-            <a:avLst/>
-          </a:prstGeom>
-          <a:ln>
-            <a:noFill/>
-          </a:ln>
-        </p:spPr>
-        <p:style>
-          <a:lnRef idx="2">
-            <a:schemeClr val="accent1">
-              <a:shade val="50000"/>
-            </a:schemeClr>
-          </a:lnRef>
-          <a:fillRef idx="1">
-            <a:schemeClr val="accent1"/>
-          </a:fillRef>
-          <a:effectRef idx="0">
-            <a:schemeClr val="accent1"/>
-          </a:effectRef>
-          <a:fontRef idx="minor">
-            <a:schemeClr val="lt1"/>
-          </a:fontRef>
-        </p:style>
-        <p:txBody>
-          <a:bodyPr rtlCol="0" anchor="t"/>
-          <a:lstStyle/>
-          <a:p>
-            <a:pPr algn="ctr"/>
-            <a:r>
-              <a:rPr lang="pt-BR" sz="3200" dirty="0"/>
-              <a:t>R$ 16.535</a:t>
-            </a:r>
-          </a:p>
-        </p:txBody>
-      </p:sp>
-      <p:sp>
-        <p:nvSpPr>
-          <p:cNvPr id="6" name="CaixaDeTexto 5">
-            <a:extLst>
-              <a:ext uri="{FF2B5EF4-FFF2-40B4-BE49-F238E27FC236}">
-                <a16:creationId xmlns:a16="http://schemas.microsoft.com/office/drawing/2014/main" id="{FC49EEE5-3EB6-492D-82C7-791C6005A3EE}"/>
+                <a16:creationId xmlns:a16="http://schemas.microsoft.com/office/drawing/2014/main" id="{A674048A-01D4-47EA-B2CE-F3F6D94BFCAB}"/>
               </a:ext>
             </a:extLst>
           </p:cNvPr>
@@ -7829,8 +8273,8 @@
         </p:nvSpPr>
         <p:spPr>
           <a:xfrm>
-            <a:off x="8146073" y="1258942"/>
-            <a:ext cx="1646797" cy="307777"/>
+            <a:off x="2949389" y="896471"/>
+            <a:ext cx="5929572" cy="4247317"/>
           </a:xfrm>
           <a:prstGeom prst="rect">
             <a:avLst/>
@@ -7843,93 +8287,108 @@
           </a:bodyPr>
           <a:lstStyle/>
           <a:p>
-            <a:r>
-              <a:rPr lang="pt-BR" sz="1400" b="1" dirty="0">
-                <a:solidFill>
-                  <a:srgbClr val="FFC000"/>
-                </a:solidFill>
-              </a:rPr>
-              <a:t>Médico Especialista</a:t>
-            </a:r>
-          </a:p>
-        </p:txBody>
-      </p:sp>
-      <p:pic>
-        <p:nvPicPr>
-          <p:cNvPr id="12" name="Imagem 11">
-            <a:extLst>
-              <a:ext uri="{FF2B5EF4-FFF2-40B4-BE49-F238E27FC236}">
-                <a16:creationId xmlns:a16="http://schemas.microsoft.com/office/drawing/2014/main" id="{B1EBBB11-5A23-43CC-ABBF-854818FDD780}"/>
-              </a:ext>
-            </a:extLst>
-          </p:cNvPr>
-          <p:cNvPicPr>
-            <a:picLocks noChangeAspect="1"/>
-          </p:cNvPicPr>
-          <p:nvPr/>
-        </p:nvPicPr>
-        <p:blipFill>
-          <a:blip r:embed="rId2">
-            <a:extLst>
-              <a:ext uri="{28A0092B-C50C-407E-A947-70E740481C1C}">
-                <a14:useLocalDpi xmlns:a14="http://schemas.microsoft.com/office/drawing/2010/main" val="0"/>
-              </a:ext>
-            </a:extLst>
-          </a:blip>
-          <a:stretch>
-            <a:fillRect/>
-          </a:stretch>
-        </p:blipFill>
-        <p:spPr>
-          <a:xfrm>
-            <a:off x="382070" y="1144070"/>
-            <a:ext cx="5713930" cy="5713930"/>
-          </a:xfrm>
-          <a:prstGeom prst="rect">
-            <a:avLst/>
-          </a:prstGeom>
-        </p:spPr>
-      </p:pic>
-      <p:pic>
-        <p:nvPicPr>
-          <p:cNvPr id="14" name="Imagem 13">
-            <a:extLst>
-              <a:ext uri="{FF2B5EF4-FFF2-40B4-BE49-F238E27FC236}">
-                <a16:creationId xmlns:a16="http://schemas.microsoft.com/office/drawing/2014/main" id="{F2948201-9276-4374-9D9C-B2F729FD2D21}"/>
-              </a:ext>
-            </a:extLst>
-          </p:cNvPr>
-          <p:cNvPicPr>
-            <a:picLocks noChangeAspect="1"/>
-          </p:cNvPicPr>
-          <p:nvPr/>
-        </p:nvPicPr>
-        <p:blipFill>
-          <a:blip r:embed="rId3">
-            <a:extLst>
-              <a:ext uri="{28A0092B-C50C-407E-A947-70E740481C1C}">
-                <a14:useLocalDpi xmlns:a14="http://schemas.microsoft.com/office/drawing/2010/main" val="0"/>
-              </a:ext>
-            </a:extLst>
-          </a:blip>
-          <a:stretch>
-            <a:fillRect/>
-          </a:stretch>
-        </p:blipFill>
-        <p:spPr>
-          <a:xfrm>
-            <a:off x="6387988" y="1144070"/>
-            <a:ext cx="5713200" cy="5713200"/>
-          </a:xfrm>
-          <a:prstGeom prst="rect">
-            <a:avLst/>
-          </a:prstGeom>
-        </p:spPr>
-      </p:pic>
+            <a:pPr algn="ctr"/>
+            <a:r>
+              <a:rPr lang="pt-BR" dirty="0"/>
+              <a:t>Brasil</a:t>
+            </a:r>
+          </a:p>
+          <a:p>
+            <a:r>
+              <a:rPr lang="pt-BR" dirty="0"/>
+              <a:t>1. Salário médio de Médicos Generalistas e Especialistas</a:t>
+            </a:r>
+          </a:p>
+          <a:p>
+            <a:r>
+              <a:rPr lang="pt-BR" dirty="0"/>
+              <a:t>2. Quantidade de médicos por mil habitantes nas </a:t>
+            </a:r>
+            <a:r>
+              <a:rPr lang="pt-BR" dirty="0" err="1"/>
+              <a:t>UF’s</a:t>
+            </a:r>
+            <a:r>
+              <a:rPr lang="pt-BR" dirty="0"/>
+              <a:t>.</a:t>
+            </a:r>
+          </a:p>
+          <a:p>
+            <a:endParaRPr lang="pt-BR" dirty="0"/>
+          </a:p>
+          <a:p>
+            <a:pPr algn="ctr"/>
+            <a:r>
+              <a:rPr lang="pt-BR" dirty="0"/>
+              <a:t>Goiás</a:t>
+            </a:r>
+          </a:p>
+          <a:p>
+            <a:r>
+              <a:rPr lang="pt-BR" dirty="0"/>
+              <a:t>3. Quantidade de médicos por mil habilitantes por município.</a:t>
+            </a:r>
+          </a:p>
+          <a:p>
+            <a:r>
+              <a:rPr lang="pt-BR" dirty="0"/>
+              <a:t>4. PIB per capita por munícipio.</a:t>
+            </a:r>
+          </a:p>
+          <a:p>
+            <a:r>
+              <a:rPr lang="pt-BR" dirty="0"/>
+              <a:t>5. Outros indicadores socioeconômicos.</a:t>
+            </a:r>
+          </a:p>
+          <a:p>
+            <a:r>
+              <a:rPr lang="pt-BR" dirty="0"/>
+              <a:t>  5.1. Índice de Desenvolvimento Humano.</a:t>
+            </a:r>
+          </a:p>
+          <a:p>
+            <a:r>
+              <a:rPr lang="pt-BR" dirty="0"/>
+              <a:t>  5.2. Índice de Gini.</a:t>
+            </a:r>
+          </a:p>
+          <a:p>
+            <a:r>
+              <a:rPr lang="pt-BR" dirty="0"/>
+              <a:t>  5.3. Taxa de Urbanização.</a:t>
+            </a:r>
+          </a:p>
+          <a:p>
+            <a:r>
+              <a:rPr lang="pt-BR" dirty="0"/>
+              <a:t>  5.4. Número de inscritos no Cadastro Único.</a:t>
+            </a:r>
+          </a:p>
+          <a:p>
+            <a:r>
+              <a:rPr lang="pt-BR" dirty="0"/>
+              <a:t>6. Indicadores de infraestrutura.</a:t>
+            </a:r>
+          </a:p>
+          <a:p>
+            <a:r>
+              <a:rPr lang="pt-BR" dirty="0"/>
+              <a:t>  6.1. Quantidade de leitos.</a:t>
+            </a:r>
+          </a:p>
+          <a:p>
+            <a:r>
+              <a:rPr lang="pt-BR" dirty="0"/>
+              <a:t>  6.2 . Quantidade de estabelecimentos de saúde.</a:t>
+            </a:r>
+          </a:p>
+        </p:txBody>
+      </p:sp>
     </p:spTree>
     <p:extLst>
       <p:ext uri="{BB962C8B-B14F-4D97-AF65-F5344CB8AC3E}">
-        <p14:creationId xmlns:p14="http://schemas.microsoft.com/office/powerpoint/2010/main" val="2710746246"/>
+        <p14:creationId xmlns:p14="http://schemas.microsoft.com/office/powerpoint/2010/main" val="3117017448"/>
       </p:ext>
     </p:extLst>
   </p:cSld>
@@ -7956,103 +8415,272 @@
           <a:chExt cx="0" cy="0"/>
         </a:xfrm>
       </p:grpSpPr>
-      <p:sp>
-        <p:nvSpPr>
-          <p:cNvPr id="2" name="Retângulo: Cantos Arredondados 1">
+      <p:grpSp>
+        <p:nvGrpSpPr>
+          <p:cNvPr id="3" name="Agrupar 2">
             <a:extLst>
               <a:ext uri="{FF2B5EF4-FFF2-40B4-BE49-F238E27FC236}">
-                <a16:creationId xmlns:a16="http://schemas.microsoft.com/office/drawing/2014/main" id="{82A1B7B9-CCD2-40E3-B986-8C4F3221341B}"/>
+                <a16:creationId xmlns:a16="http://schemas.microsoft.com/office/drawing/2014/main" id="{F736E5F0-0075-4C18-B4AB-EAA8A527EC90}"/>
               </a:ext>
             </a:extLst>
           </p:cNvPr>
-          <p:cNvSpPr/>
+          <p:cNvGrpSpPr/>
           <p:nvPr/>
-        </p:nvSpPr>
-        <p:spPr>
-          <a:xfrm>
-            <a:off x="4392708" y="394448"/>
+        </p:nvGrpSpPr>
+        <p:grpSpPr>
+          <a:xfrm>
+            <a:off x="1407460" y="986118"/>
             <a:ext cx="2788023" cy="768860"/>
-          </a:xfrm>
-          <a:prstGeom prst="roundRect">
-            <a:avLst/>
-          </a:prstGeom>
-          <a:ln>
+            <a:chOff x="1389531" y="797859"/>
+            <a:chExt cx="2788023" cy="768860"/>
+          </a:xfrm>
+        </p:grpSpPr>
+        <p:sp>
+          <p:nvSpPr>
+            <p:cNvPr id="2" name="Retângulo: Cantos Arredondados 1">
+              <a:extLst>
+                <a:ext uri="{FF2B5EF4-FFF2-40B4-BE49-F238E27FC236}">
+                  <a16:creationId xmlns:a16="http://schemas.microsoft.com/office/drawing/2014/main" id="{82A1B7B9-CCD2-40E3-B986-8C4F3221341B}"/>
+                </a:ext>
+              </a:extLst>
+            </p:cNvPr>
+            <p:cNvSpPr/>
+            <p:nvPr/>
+          </p:nvSpPr>
+          <p:spPr>
+            <a:xfrm>
+              <a:off x="1389531" y="797859"/>
+              <a:ext cx="2788023" cy="768860"/>
+            </a:xfrm>
+            <a:prstGeom prst="roundRect">
+              <a:avLst/>
+            </a:prstGeom>
+            <a:ln>
+              <a:noFill/>
+            </a:ln>
+          </p:spPr>
+          <p:style>
+            <a:lnRef idx="2">
+              <a:schemeClr val="accent1">
+                <a:shade val="50000"/>
+              </a:schemeClr>
+            </a:lnRef>
+            <a:fillRef idx="1">
+              <a:schemeClr val="accent1"/>
+            </a:fillRef>
+            <a:effectRef idx="0">
+              <a:schemeClr val="accent1"/>
+            </a:effectRef>
+            <a:fontRef idx="minor">
+              <a:schemeClr val="lt1"/>
+            </a:fontRef>
+          </p:style>
+          <p:txBody>
+            <a:bodyPr rtlCol="0" anchor="t"/>
+            <a:lstStyle/>
+            <a:p>
+              <a:pPr algn="ctr"/>
+              <a:r>
+                <a:rPr lang="pt-BR" sz="3200" dirty="0"/>
+                <a:t>R$ 12.400</a:t>
+              </a:r>
+            </a:p>
+          </p:txBody>
+        </p:sp>
+        <p:sp>
+          <p:nvSpPr>
+            <p:cNvPr id="4" name="CaixaDeTexto 3">
+              <a:extLst>
+                <a:ext uri="{FF2B5EF4-FFF2-40B4-BE49-F238E27FC236}">
+                  <a16:creationId xmlns:a16="http://schemas.microsoft.com/office/drawing/2014/main" id="{8080856D-BD99-4E24-8A93-87FF3B78D552}"/>
+                </a:ext>
+              </a:extLst>
+            </p:cNvPr>
+            <p:cNvSpPr txBox="1"/>
+            <p:nvPr/>
+          </p:nvSpPr>
+          <p:spPr>
+            <a:xfrm>
+              <a:off x="2193508" y="1258942"/>
+              <a:ext cx="1180067" cy="307777"/>
+            </a:xfrm>
+            <a:prstGeom prst="rect">
+              <a:avLst/>
+            </a:prstGeom>
             <a:noFill/>
-          </a:ln>
-        </p:spPr>
-        <p:style>
-          <a:lnRef idx="2">
-            <a:schemeClr val="accent1">
-              <a:shade val="50000"/>
-            </a:schemeClr>
-          </a:lnRef>
-          <a:fillRef idx="1">
-            <a:schemeClr val="accent1"/>
-          </a:fillRef>
-          <a:effectRef idx="0">
-            <a:schemeClr val="accent1"/>
-          </a:effectRef>
-          <a:fontRef idx="minor">
-            <a:schemeClr val="lt1"/>
-          </a:fontRef>
-        </p:style>
-        <p:txBody>
-          <a:bodyPr rtlCol="0" anchor="t"/>
-          <a:lstStyle/>
-          <a:p>
-            <a:pPr algn="ctr"/>
-            <a:r>
-              <a:rPr lang="pt-BR" sz="3200" dirty="0"/>
-              <a:t>3.3</a:t>
-            </a:r>
-          </a:p>
-        </p:txBody>
-      </p:sp>
-      <p:sp>
-        <p:nvSpPr>
-          <p:cNvPr id="4" name="CaixaDeTexto 3">
+          </p:spPr>
+          <p:txBody>
+            <a:bodyPr wrap="none" rtlCol="0">
+              <a:spAutoFit/>
+            </a:bodyPr>
+            <a:lstStyle/>
+            <a:p>
+              <a:r>
+                <a:rPr lang="pt-BR" sz="1400" b="1" dirty="0">
+                  <a:solidFill>
+                    <a:srgbClr val="FFC000"/>
+                  </a:solidFill>
+                </a:rPr>
+                <a:t>Médico Geral</a:t>
+              </a:r>
+            </a:p>
+          </p:txBody>
+        </p:sp>
+      </p:grpSp>
+      <p:grpSp>
+        <p:nvGrpSpPr>
+          <p:cNvPr id="7" name="Agrupar 6">
             <a:extLst>
               <a:ext uri="{FF2B5EF4-FFF2-40B4-BE49-F238E27FC236}">
-                <a16:creationId xmlns:a16="http://schemas.microsoft.com/office/drawing/2014/main" id="{8080856D-BD99-4E24-8A93-87FF3B78D552}"/>
+                <a16:creationId xmlns:a16="http://schemas.microsoft.com/office/drawing/2014/main" id="{2E795C80-813E-49D6-B2CD-E01CB0F72EE7}"/>
               </a:ext>
             </a:extLst>
           </p:cNvPr>
-          <p:cNvSpPr txBox="1"/>
+          <p:cNvGrpSpPr/>
           <p:nvPr/>
-        </p:nvSpPr>
-        <p:spPr>
-          <a:xfrm>
-            <a:off x="4677312" y="855531"/>
-            <a:ext cx="2218813" cy="307777"/>
-          </a:xfrm>
-          <a:prstGeom prst="rect">
-            <a:avLst/>
-          </a:prstGeom>
-          <a:noFill/>
-        </p:spPr>
-        <p:txBody>
-          <a:bodyPr wrap="none" rtlCol="0">
-            <a:spAutoFit/>
-          </a:bodyPr>
-          <a:lstStyle/>
-          <a:p>
-            <a:r>
-              <a:rPr lang="pt-BR" sz="1400" b="1" dirty="0">
-                <a:solidFill>
-                  <a:srgbClr val="FFC000"/>
-                </a:solidFill>
-              </a:rPr>
-              <a:t>Médicos por mil habitantes</a:t>
-            </a:r>
-          </a:p>
-        </p:txBody>
-      </p:sp>
+        </p:nvGrpSpPr>
+        <p:grpSpPr>
+          <a:xfrm>
+            <a:off x="7512425" y="986118"/>
+            <a:ext cx="2788023" cy="768860"/>
+            <a:chOff x="7494496" y="797859"/>
+            <a:chExt cx="2788023" cy="768860"/>
+          </a:xfrm>
+        </p:grpSpPr>
+        <p:sp>
+          <p:nvSpPr>
+            <p:cNvPr id="5" name="Retângulo: Cantos Arredondados 4">
+              <a:extLst>
+                <a:ext uri="{FF2B5EF4-FFF2-40B4-BE49-F238E27FC236}">
+                  <a16:creationId xmlns:a16="http://schemas.microsoft.com/office/drawing/2014/main" id="{7E3AA7DD-3B2C-417A-9302-4651F4709513}"/>
+                </a:ext>
+              </a:extLst>
+            </p:cNvPr>
+            <p:cNvSpPr/>
+            <p:nvPr/>
+          </p:nvSpPr>
+          <p:spPr>
+            <a:xfrm>
+              <a:off x="7494496" y="797859"/>
+              <a:ext cx="2788023" cy="768860"/>
+            </a:xfrm>
+            <a:prstGeom prst="roundRect">
+              <a:avLst/>
+            </a:prstGeom>
+            <a:ln>
+              <a:noFill/>
+            </a:ln>
+          </p:spPr>
+          <p:style>
+            <a:lnRef idx="2">
+              <a:schemeClr val="accent1">
+                <a:shade val="50000"/>
+              </a:schemeClr>
+            </a:lnRef>
+            <a:fillRef idx="1">
+              <a:schemeClr val="accent1"/>
+            </a:fillRef>
+            <a:effectRef idx="0">
+              <a:schemeClr val="accent1"/>
+            </a:effectRef>
+            <a:fontRef idx="minor">
+              <a:schemeClr val="lt1"/>
+            </a:fontRef>
+          </p:style>
+          <p:txBody>
+            <a:bodyPr rtlCol="0" anchor="t"/>
+            <a:lstStyle/>
+            <a:p>
+              <a:pPr algn="ctr"/>
+              <a:r>
+                <a:rPr lang="pt-BR" sz="3200" dirty="0"/>
+                <a:t>R$ 16.535</a:t>
+              </a:r>
+            </a:p>
+          </p:txBody>
+        </p:sp>
+        <p:sp>
+          <p:nvSpPr>
+            <p:cNvPr id="6" name="CaixaDeTexto 5">
+              <a:extLst>
+                <a:ext uri="{FF2B5EF4-FFF2-40B4-BE49-F238E27FC236}">
+                  <a16:creationId xmlns:a16="http://schemas.microsoft.com/office/drawing/2014/main" id="{FC49EEE5-3EB6-492D-82C7-791C6005A3EE}"/>
+                </a:ext>
+              </a:extLst>
+            </p:cNvPr>
+            <p:cNvSpPr txBox="1"/>
+            <p:nvPr/>
+          </p:nvSpPr>
+          <p:spPr>
+            <a:xfrm>
+              <a:off x="8146073" y="1258942"/>
+              <a:ext cx="1646797" cy="307777"/>
+            </a:xfrm>
+            <a:prstGeom prst="rect">
+              <a:avLst/>
+            </a:prstGeom>
+            <a:noFill/>
+          </p:spPr>
+          <p:txBody>
+            <a:bodyPr wrap="none" rtlCol="0">
+              <a:spAutoFit/>
+            </a:bodyPr>
+            <a:lstStyle/>
+            <a:p>
+              <a:r>
+                <a:rPr lang="pt-BR" sz="1400" b="1" dirty="0">
+                  <a:solidFill>
+                    <a:srgbClr val="FFC000"/>
+                  </a:solidFill>
+                </a:rPr>
+                <a:t>Médico Especialista</a:t>
+              </a:r>
+            </a:p>
+          </p:txBody>
+        </p:sp>
+      </p:grpSp>
       <p:pic>
         <p:nvPicPr>
-          <p:cNvPr id="7" name="Imagem 6">
+          <p:cNvPr id="12" name="Imagem 11">
             <a:extLst>
               <a:ext uri="{FF2B5EF4-FFF2-40B4-BE49-F238E27FC236}">
-                <a16:creationId xmlns:a16="http://schemas.microsoft.com/office/drawing/2014/main" id="{4BF84659-41C8-4AD3-84BF-D95CBBF3EDA4}"/>
+                <a16:creationId xmlns:a16="http://schemas.microsoft.com/office/drawing/2014/main" id="{B1EBBB11-5A23-43CC-ABBF-854818FDD780}"/>
+              </a:ext>
+            </a:extLst>
+          </p:cNvPr>
+          <p:cNvPicPr>
+            <a:picLocks noChangeAspect="1"/>
+          </p:cNvPicPr>
+          <p:nvPr/>
+        </p:nvPicPr>
+        <p:blipFill>
+          <a:blip r:embed="rId2">
+            <a:extLst>
+              <a:ext uri="{28A0092B-C50C-407E-A947-70E740481C1C}">
+                <a14:useLocalDpi xmlns:a14="http://schemas.microsoft.com/office/drawing/2010/main" val="0"/>
+              </a:ext>
+            </a:extLst>
+          </a:blip>
+          <a:stretch>
+            <a:fillRect/>
+          </a:stretch>
+        </p:blipFill>
+        <p:spPr>
+          <a:xfrm>
+            <a:off x="514588" y="1258942"/>
+            <a:ext cx="5713200" cy="5713200"/>
+          </a:xfrm>
+          <a:prstGeom prst="rect">
+            <a:avLst/>
+          </a:prstGeom>
+        </p:spPr>
+      </p:pic>
+      <p:pic>
+        <p:nvPicPr>
+          <p:cNvPr id="14" name="Imagem 13">
+            <a:extLst>
+              <a:ext uri="{FF2B5EF4-FFF2-40B4-BE49-F238E27FC236}">
+                <a16:creationId xmlns:a16="http://schemas.microsoft.com/office/drawing/2014/main" id="{F2948201-9276-4374-9D9C-B2F729FD2D21}"/>
               </a:ext>
             </a:extLst>
           </p:cNvPr>
@@ -8075,18 +8703,92 @@
         </p:blipFill>
         <p:spPr>
           <a:xfrm>
-            <a:off x="3130923" y="927847"/>
-            <a:ext cx="5930153" cy="5930153"/>
+            <a:off x="6254683" y="1258942"/>
+            <a:ext cx="5713200" cy="5713200"/>
           </a:xfrm>
           <a:prstGeom prst="rect">
             <a:avLst/>
           </a:prstGeom>
         </p:spPr>
       </p:pic>
+      <p:sp>
+        <p:nvSpPr>
+          <p:cNvPr id="8" name="CaixaDeTexto 7">
+            <a:extLst>
+              <a:ext uri="{FF2B5EF4-FFF2-40B4-BE49-F238E27FC236}">
+                <a16:creationId xmlns:a16="http://schemas.microsoft.com/office/drawing/2014/main" id="{E01E1769-F9AC-48A1-8892-296BBC18A329}"/>
+              </a:ext>
+            </a:extLst>
+          </p:cNvPr>
+          <p:cNvSpPr txBox="1"/>
+          <p:nvPr/>
+        </p:nvSpPr>
+        <p:spPr>
+          <a:xfrm>
+            <a:off x="1931142" y="6409765"/>
+            <a:ext cx="8329716" cy="369332"/>
+          </a:xfrm>
+          <a:prstGeom prst="rect">
+            <a:avLst/>
+          </a:prstGeom>
+          <a:noFill/>
+        </p:spPr>
+        <p:txBody>
+          <a:bodyPr wrap="none" rtlCol="0">
+            <a:spAutoFit/>
+          </a:bodyPr>
+          <a:lstStyle/>
+          <a:p>
+            <a:r>
+              <a:rPr lang="pt-BR" dirty="0">
+                <a:solidFill>
+                  <a:schemeClr val="bg1"/>
+                </a:solidFill>
+              </a:rPr>
+              <a:t>Valores estimados com base nos dados da PNAD Contínua do quarto trimestre de 2023.</a:t>
+            </a:r>
+          </a:p>
+        </p:txBody>
+      </p:sp>
+      <p:sp>
+        <p:nvSpPr>
+          <p:cNvPr id="15" name="CaixaDeTexto 14">
+            <a:extLst>
+              <a:ext uri="{FF2B5EF4-FFF2-40B4-BE49-F238E27FC236}">
+                <a16:creationId xmlns:a16="http://schemas.microsoft.com/office/drawing/2014/main" id="{264F17BF-F0C7-40CB-96B0-CEB3F9ABA924}"/>
+              </a:ext>
+            </a:extLst>
+          </p:cNvPr>
+          <p:cNvSpPr txBox="1"/>
+          <p:nvPr/>
+        </p:nvSpPr>
+        <p:spPr>
+          <a:xfrm>
+            <a:off x="2294965" y="246256"/>
+            <a:ext cx="8525435" cy="461665"/>
+          </a:xfrm>
+          <a:prstGeom prst="rect">
+            <a:avLst/>
+          </a:prstGeom>
+          <a:noFill/>
+        </p:spPr>
+        <p:txBody>
+          <a:bodyPr wrap="square">
+            <a:spAutoFit/>
+          </a:bodyPr>
+          <a:lstStyle/>
+          <a:p>
+            <a:r>
+              <a:rPr lang="pt-BR" sz="2400" b="1" dirty="0"/>
+              <a:t>1. Salário médio de Médicos Generalistas e Especialistas</a:t>
+            </a:r>
+          </a:p>
+        </p:txBody>
+      </p:sp>
     </p:spTree>
     <p:extLst>
       <p:ext uri="{BB962C8B-B14F-4D97-AF65-F5344CB8AC3E}">
-        <p14:creationId xmlns:p14="http://schemas.microsoft.com/office/powerpoint/2010/main" val="414353908"/>
+        <p14:creationId xmlns:p14="http://schemas.microsoft.com/office/powerpoint/2010/main" val="2710746246"/>
       </p:ext>
     </p:extLst>
   </p:cSld>
@@ -8113,6 +8815,642 @@
           <a:chExt cx="0" cy="0"/>
         </a:xfrm>
       </p:grpSpPr>
+      <p:grpSp>
+        <p:nvGrpSpPr>
+          <p:cNvPr id="3" name="Agrupar 2">
+            <a:extLst>
+              <a:ext uri="{FF2B5EF4-FFF2-40B4-BE49-F238E27FC236}">
+                <a16:creationId xmlns:a16="http://schemas.microsoft.com/office/drawing/2014/main" id="{D0BCE461-4B72-49EB-83D0-60A757A25EB8}"/>
+              </a:ext>
+            </a:extLst>
+          </p:cNvPr>
+          <p:cNvGrpSpPr/>
+          <p:nvPr/>
+        </p:nvGrpSpPr>
+        <p:grpSpPr>
+          <a:xfrm>
+            <a:off x="1918449" y="708212"/>
+            <a:ext cx="2788023" cy="768860"/>
+            <a:chOff x="4392708" y="394448"/>
+            <a:chExt cx="2788023" cy="768860"/>
+          </a:xfrm>
+        </p:grpSpPr>
+        <p:sp>
+          <p:nvSpPr>
+            <p:cNvPr id="2" name="Retângulo: Cantos Arredondados 1">
+              <a:extLst>
+                <a:ext uri="{FF2B5EF4-FFF2-40B4-BE49-F238E27FC236}">
+                  <a16:creationId xmlns:a16="http://schemas.microsoft.com/office/drawing/2014/main" id="{82A1B7B9-CCD2-40E3-B986-8C4F3221341B}"/>
+                </a:ext>
+              </a:extLst>
+            </p:cNvPr>
+            <p:cNvSpPr/>
+            <p:nvPr/>
+          </p:nvSpPr>
+          <p:spPr>
+            <a:xfrm>
+              <a:off x="4392708" y="394448"/>
+              <a:ext cx="2788023" cy="768860"/>
+            </a:xfrm>
+            <a:prstGeom prst="roundRect">
+              <a:avLst/>
+            </a:prstGeom>
+            <a:ln>
+              <a:noFill/>
+            </a:ln>
+          </p:spPr>
+          <p:style>
+            <a:lnRef idx="2">
+              <a:schemeClr val="accent1">
+                <a:shade val="50000"/>
+              </a:schemeClr>
+            </a:lnRef>
+            <a:fillRef idx="1">
+              <a:schemeClr val="accent1"/>
+            </a:fillRef>
+            <a:effectRef idx="0">
+              <a:schemeClr val="accent1"/>
+            </a:effectRef>
+            <a:fontRef idx="minor">
+              <a:schemeClr val="lt1"/>
+            </a:fontRef>
+          </p:style>
+          <p:txBody>
+            <a:bodyPr rtlCol="0" anchor="t"/>
+            <a:lstStyle/>
+            <a:p>
+              <a:pPr algn="ctr"/>
+              <a:r>
+                <a:rPr lang="pt-BR" sz="3200" dirty="0"/>
+                <a:t>3.3</a:t>
+              </a:r>
+            </a:p>
+          </p:txBody>
+        </p:sp>
+        <p:sp>
+          <p:nvSpPr>
+            <p:cNvPr id="4" name="CaixaDeTexto 3">
+              <a:extLst>
+                <a:ext uri="{FF2B5EF4-FFF2-40B4-BE49-F238E27FC236}">
+                  <a16:creationId xmlns:a16="http://schemas.microsoft.com/office/drawing/2014/main" id="{8080856D-BD99-4E24-8A93-87FF3B78D552}"/>
+                </a:ext>
+              </a:extLst>
+            </p:cNvPr>
+            <p:cNvSpPr txBox="1"/>
+            <p:nvPr/>
+          </p:nvSpPr>
+          <p:spPr>
+            <a:xfrm>
+              <a:off x="4677312" y="855531"/>
+              <a:ext cx="2218813" cy="307777"/>
+            </a:xfrm>
+            <a:prstGeom prst="rect">
+              <a:avLst/>
+            </a:prstGeom>
+            <a:noFill/>
+          </p:spPr>
+          <p:txBody>
+            <a:bodyPr wrap="none" rtlCol="0">
+              <a:spAutoFit/>
+            </a:bodyPr>
+            <a:lstStyle/>
+            <a:p>
+              <a:r>
+                <a:rPr lang="pt-BR" sz="1400" b="1" dirty="0">
+                  <a:solidFill>
+                    <a:srgbClr val="FFC000"/>
+                  </a:solidFill>
+                </a:rPr>
+                <a:t>Médicos por mil habitantes</a:t>
+              </a:r>
+            </a:p>
+          </p:txBody>
+        </p:sp>
+      </p:grpSp>
+      <p:sp>
+        <p:nvSpPr>
+          <p:cNvPr id="8" name="Retângulo 7">
+            <a:extLst>
+              <a:ext uri="{FF2B5EF4-FFF2-40B4-BE49-F238E27FC236}">
+                <a16:creationId xmlns:a16="http://schemas.microsoft.com/office/drawing/2014/main" id="{89C887F3-C451-4BB9-847B-F9FD0E6F1DCE}"/>
+              </a:ext>
+            </a:extLst>
+          </p:cNvPr>
+          <p:cNvSpPr/>
+          <p:nvPr/>
+        </p:nvSpPr>
+        <p:spPr>
+          <a:xfrm>
+            <a:off x="7485529" y="708212"/>
+            <a:ext cx="4706471" cy="4858870"/>
+          </a:xfrm>
+          <a:prstGeom prst="rect">
+            <a:avLst/>
+          </a:prstGeom>
+          <a:ln>
+            <a:noFill/>
+          </a:ln>
+        </p:spPr>
+        <p:style>
+          <a:lnRef idx="2">
+            <a:schemeClr val="accent1">
+              <a:shade val="50000"/>
+            </a:schemeClr>
+          </a:lnRef>
+          <a:fillRef idx="1">
+            <a:schemeClr val="accent1"/>
+          </a:fillRef>
+          <a:effectRef idx="0">
+            <a:schemeClr val="accent1"/>
+          </a:effectRef>
+          <a:fontRef idx="minor">
+            <a:schemeClr val="lt1"/>
+          </a:fontRef>
+        </p:style>
+        <p:txBody>
+          <a:bodyPr rtlCol="0" anchor="ctr"/>
+          <a:lstStyle/>
+          <a:p>
+            <a:pPr algn="ctr"/>
+            <a:endParaRPr lang="pt-BR" dirty="0"/>
+          </a:p>
+        </p:txBody>
+      </p:sp>
+      <p:sp>
+        <p:nvSpPr>
+          <p:cNvPr id="5" name="CaixaDeTexto 4">
+            <a:extLst>
+              <a:ext uri="{FF2B5EF4-FFF2-40B4-BE49-F238E27FC236}">
+                <a16:creationId xmlns:a16="http://schemas.microsoft.com/office/drawing/2014/main" id="{E4BD733D-01AA-4ECA-9111-F9151C727413}"/>
+              </a:ext>
+            </a:extLst>
+          </p:cNvPr>
+          <p:cNvSpPr txBox="1"/>
+          <p:nvPr/>
+        </p:nvSpPr>
+        <p:spPr>
+          <a:xfrm>
+            <a:off x="7772401" y="1043936"/>
+            <a:ext cx="4121526" cy="4154984"/>
+          </a:xfrm>
+          <a:prstGeom prst="rect">
+            <a:avLst/>
+          </a:prstGeom>
+          <a:noFill/>
+        </p:spPr>
+        <p:txBody>
+          <a:bodyPr wrap="square" rtlCol="0">
+            <a:spAutoFit/>
+          </a:bodyPr>
+          <a:lstStyle/>
+          <a:p>
+            <a:pPr algn="just"/>
+            <a:r>
+              <a:rPr lang="pt-BR" sz="2400" b="1" dirty="0">
+                <a:solidFill>
+                  <a:schemeClr val="bg1"/>
+                </a:solidFill>
+                <a:latin typeface="Franklin Gothic Book" panose="020B0503020102020204" pitchFamily="34" charset="0"/>
+              </a:rPr>
+              <a:t>Os dados referentes ao número de médicos foram coletados do Conselho Federal de Medicina na data 06/06/2023 em seu site oficial.</a:t>
+            </a:r>
+          </a:p>
+          <a:p>
+            <a:pPr algn="just"/>
+            <a:endParaRPr lang="pt-BR" sz="2400" b="1" dirty="0">
+              <a:solidFill>
+                <a:schemeClr val="bg1"/>
+              </a:solidFill>
+              <a:latin typeface="Franklin Gothic Book" panose="020B0503020102020204" pitchFamily="34" charset="0"/>
+            </a:endParaRPr>
+          </a:p>
+          <a:p>
+            <a:pPr algn="just"/>
+            <a:r>
+              <a:rPr lang="pt-BR" sz="2400" b="1" dirty="0">
+                <a:solidFill>
+                  <a:schemeClr val="bg1"/>
+                </a:solidFill>
+                <a:latin typeface="Franklin Gothic Book" panose="020B0503020102020204" pitchFamily="34" charset="0"/>
+              </a:rPr>
+              <a:t>Os dados populacionais considerados foram do Censo de 2022 disponíveis no site do IBGE.</a:t>
+            </a:r>
+          </a:p>
+        </p:txBody>
+      </p:sp>
+      <p:pic>
+        <p:nvPicPr>
+          <p:cNvPr id="10" name="Imagem 9">
+            <a:extLst>
+              <a:ext uri="{FF2B5EF4-FFF2-40B4-BE49-F238E27FC236}">
+                <a16:creationId xmlns:a16="http://schemas.microsoft.com/office/drawing/2014/main" id="{2DAB6E29-D5A2-4217-9D54-BE800B73D248}"/>
+              </a:ext>
+            </a:extLst>
+          </p:cNvPr>
+          <p:cNvPicPr>
+            <a:picLocks noChangeAspect="1"/>
+          </p:cNvPicPr>
+          <p:nvPr/>
+        </p:nvPicPr>
+        <p:blipFill>
+          <a:blip r:embed="rId3">
+            <a:extLst>
+              <a:ext uri="{BEBA8EAE-BF5A-486C-A8C5-ECC9F3942E4B}">
+                <a14:imgProps xmlns:a14="http://schemas.microsoft.com/office/drawing/2010/main">
+                  <a14:imgLayer r:embed="rId4">
+                    <a14:imgEffect>
+                      <a14:brightnessContrast bright="-40000" contrast="40000"/>
+                    </a14:imgEffect>
+                  </a14:imgLayer>
+                </a14:imgProps>
+              </a:ext>
+              <a:ext uri="{28A0092B-C50C-407E-A947-70E740481C1C}">
+                <a14:useLocalDpi xmlns:a14="http://schemas.microsoft.com/office/drawing/2010/main" val="0"/>
+              </a:ext>
+            </a:extLst>
+          </a:blip>
+          <a:stretch>
+            <a:fillRect/>
+          </a:stretch>
+        </p:blipFill>
+        <p:spPr>
+          <a:xfrm>
+            <a:off x="685800" y="1553725"/>
+            <a:ext cx="4778188" cy="4778188"/>
+          </a:xfrm>
+          <a:prstGeom prst="rect">
+            <a:avLst/>
+          </a:prstGeom>
+        </p:spPr>
+      </p:pic>
+      <p:sp>
+        <p:nvSpPr>
+          <p:cNvPr id="11" name="CaixaDeTexto 10">
+            <a:extLst>
+              <a:ext uri="{FF2B5EF4-FFF2-40B4-BE49-F238E27FC236}">
+                <a16:creationId xmlns:a16="http://schemas.microsoft.com/office/drawing/2014/main" id="{FAC2595E-7CE6-44FC-9B5E-0258A652A472}"/>
+              </a:ext>
+            </a:extLst>
+          </p:cNvPr>
+          <p:cNvSpPr txBox="1"/>
+          <p:nvPr/>
+        </p:nvSpPr>
+        <p:spPr>
+          <a:xfrm>
+            <a:off x="2294965" y="246256"/>
+            <a:ext cx="8525435" cy="461665"/>
+          </a:xfrm>
+          <a:prstGeom prst="rect">
+            <a:avLst/>
+          </a:prstGeom>
+          <a:noFill/>
+        </p:spPr>
+        <p:txBody>
+          <a:bodyPr wrap="square">
+            <a:spAutoFit/>
+          </a:bodyPr>
+          <a:lstStyle/>
+          <a:p>
+            <a:r>
+              <a:rPr lang="pt-BR" sz="2400" b="1" dirty="0"/>
+              <a:t>2. Quantidade de médicos por mil habitantes nas </a:t>
+            </a:r>
+            <a:r>
+              <a:rPr lang="pt-BR" sz="2400" b="1" dirty="0" err="1"/>
+              <a:t>UF’s</a:t>
+            </a:r>
+            <a:r>
+              <a:rPr lang="pt-BR" sz="2400" b="1" dirty="0"/>
+              <a:t>.</a:t>
+            </a:r>
+          </a:p>
+        </p:txBody>
+      </p:sp>
+    </p:spTree>
+    <p:extLst>
+      <p:ext uri="{BB962C8B-B14F-4D97-AF65-F5344CB8AC3E}">
+        <p14:creationId xmlns:p14="http://schemas.microsoft.com/office/powerpoint/2010/main" val="414353908"/>
+      </p:ext>
+    </p:extLst>
+  </p:cSld>
+  <p:clrMapOvr>
+    <a:masterClrMapping/>
+  </p:clrMapOvr>
+</p:sld>
+</file>
+
+<file path=ppt/slides/slide5.xml><?xml version="1.0" encoding="utf-8"?>
+<p:sld xmlns:a="http://schemas.openxmlformats.org/drawingml/2006/main" xmlns:r="http://schemas.openxmlformats.org/officeDocument/2006/relationships" xmlns:p="http://schemas.openxmlformats.org/presentationml/2006/main">
+  <p:cSld>
+    <p:spTree>
+      <p:nvGrpSpPr>
+        <p:cNvPr id="1" name=""/>
+        <p:cNvGrpSpPr/>
+        <p:nvPr/>
+      </p:nvGrpSpPr>
+      <p:grpSpPr>
+        <a:xfrm>
+          <a:off x="0" y="0"/>
+          <a:ext cx="0" cy="0"/>
+          <a:chOff x="0" y="0"/>
+          <a:chExt cx="0" cy="0"/>
+        </a:xfrm>
+      </p:grpSpPr>
+      <p:pic>
+        <p:nvPicPr>
+          <p:cNvPr id="3" name="Imagem 2">
+            <a:extLst>
+              <a:ext uri="{FF2B5EF4-FFF2-40B4-BE49-F238E27FC236}">
+                <a16:creationId xmlns:a16="http://schemas.microsoft.com/office/drawing/2014/main" id="{E5C5CD0E-38A4-4E28-8E4D-F79198C25762}"/>
+              </a:ext>
+            </a:extLst>
+          </p:cNvPr>
+          <p:cNvPicPr>
+            <a:picLocks noChangeAspect="1"/>
+          </p:cNvPicPr>
+          <p:nvPr/>
+        </p:nvPicPr>
+        <p:blipFill>
+          <a:blip r:embed="rId2">
+            <a:extLst>
+              <a:ext uri="{28A0092B-C50C-407E-A947-70E740481C1C}">
+                <a14:useLocalDpi xmlns:a14="http://schemas.microsoft.com/office/drawing/2010/main" val="0"/>
+              </a:ext>
+            </a:extLst>
+          </a:blip>
+          <a:stretch>
+            <a:fillRect/>
+          </a:stretch>
+        </p:blipFill>
+        <p:spPr>
+          <a:xfrm>
+            <a:off x="932329" y="1398042"/>
+            <a:ext cx="5230906" cy="5230906"/>
+          </a:xfrm>
+          <a:prstGeom prst="rect">
+            <a:avLst/>
+          </a:prstGeom>
+        </p:spPr>
+      </p:pic>
+      <p:grpSp>
+        <p:nvGrpSpPr>
+          <p:cNvPr id="7" name="Agrupar 6">
+            <a:extLst>
+              <a:ext uri="{FF2B5EF4-FFF2-40B4-BE49-F238E27FC236}">
+                <a16:creationId xmlns:a16="http://schemas.microsoft.com/office/drawing/2014/main" id="{4063D64E-8B90-49C8-A468-D6EDC1F648F1}"/>
+              </a:ext>
+            </a:extLst>
+          </p:cNvPr>
+          <p:cNvGrpSpPr/>
+          <p:nvPr/>
+        </p:nvGrpSpPr>
+        <p:grpSpPr>
+          <a:xfrm>
+            <a:off x="2127437" y="879141"/>
+            <a:ext cx="2788023" cy="768860"/>
+            <a:chOff x="2754408" y="359188"/>
+            <a:chExt cx="2788023" cy="768860"/>
+          </a:xfrm>
+        </p:grpSpPr>
+        <p:sp>
+          <p:nvSpPr>
+            <p:cNvPr id="5" name="Retângulo: Cantos Arredondados 4">
+              <a:extLst>
+                <a:ext uri="{FF2B5EF4-FFF2-40B4-BE49-F238E27FC236}">
+                  <a16:creationId xmlns:a16="http://schemas.microsoft.com/office/drawing/2014/main" id="{1611372A-C660-4DFB-A8B3-5C4D85110E6A}"/>
+                </a:ext>
+              </a:extLst>
+            </p:cNvPr>
+            <p:cNvSpPr/>
+            <p:nvPr/>
+          </p:nvSpPr>
+          <p:spPr>
+            <a:xfrm>
+              <a:off x="2754408" y="359188"/>
+              <a:ext cx="2788023" cy="768860"/>
+            </a:xfrm>
+            <a:prstGeom prst="roundRect">
+              <a:avLst/>
+            </a:prstGeom>
+            <a:ln>
+              <a:noFill/>
+            </a:ln>
+          </p:spPr>
+          <p:style>
+            <a:lnRef idx="2">
+              <a:schemeClr val="accent1">
+                <a:shade val="50000"/>
+              </a:schemeClr>
+            </a:lnRef>
+            <a:fillRef idx="1">
+              <a:schemeClr val="accent1"/>
+            </a:fillRef>
+            <a:effectRef idx="0">
+              <a:schemeClr val="accent1"/>
+            </a:effectRef>
+            <a:fontRef idx="minor">
+              <a:schemeClr val="lt1"/>
+            </a:fontRef>
+          </p:style>
+          <p:txBody>
+            <a:bodyPr rtlCol="0" anchor="t"/>
+            <a:lstStyle/>
+            <a:p>
+              <a:pPr algn="ctr"/>
+              <a:r>
+                <a:rPr lang="pt-BR" sz="3200" dirty="0"/>
+                <a:t>2.3</a:t>
+              </a:r>
+            </a:p>
+          </p:txBody>
+        </p:sp>
+        <p:sp>
+          <p:nvSpPr>
+            <p:cNvPr id="6" name="CaixaDeTexto 5">
+              <a:extLst>
+                <a:ext uri="{FF2B5EF4-FFF2-40B4-BE49-F238E27FC236}">
+                  <a16:creationId xmlns:a16="http://schemas.microsoft.com/office/drawing/2014/main" id="{4F708C31-CEB4-4D90-9FA3-9A440562AE3D}"/>
+                </a:ext>
+              </a:extLst>
+            </p:cNvPr>
+            <p:cNvSpPr txBox="1"/>
+            <p:nvPr/>
+          </p:nvSpPr>
+          <p:spPr>
+            <a:xfrm>
+              <a:off x="3039012" y="820271"/>
+              <a:ext cx="2218813" cy="307777"/>
+            </a:xfrm>
+            <a:prstGeom prst="rect">
+              <a:avLst/>
+            </a:prstGeom>
+            <a:noFill/>
+          </p:spPr>
+          <p:txBody>
+            <a:bodyPr wrap="none" rtlCol="0">
+              <a:spAutoFit/>
+            </a:bodyPr>
+            <a:lstStyle/>
+            <a:p>
+              <a:r>
+                <a:rPr lang="pt-BR" sz="1400" b="1" dirty="0">
+                  <a:solidFill>
+                    <a:srgbClr val="FFC000"/>
+                  </a:solidFill>
+                </a:rPr>
+                <a:t>Médicos por mil habitantes</a:t>
+              </a:r>
+            </a:p>
+          </p:txBody>
+        </p:sp>
+      </p:grpSp>
+      <p:sp>
+        <p:nvSpPr>
+          <p:cNvPr id="8" name="Retângulo 7">
+            <a:extLst>
+              <a:ext uri="{FF2B5EF4-FFF2-40B4-BE49-F238E27FC236}">
+                <a16:creationId xmlns:a16="http://schemas.microsoft.com/office/drawing/2014/main" id="{D3EB5070-42E3-4A64-93A1-8D9E4CF0B598}"/>
+              </a:ext>
+            </a:extLst>
+          </p:cNvPr>
+          <p:cNvSpPr/>
+          <p:nvPr/>
+        </p:nvSpPr>
+        <p:spPr>
+          <a:xfrm>
+            <a:off x="7485529" y="708212"/>
+            <a:ext cx="4706471" cy="4858870"/>
+          </a:xfrm>
+          <a:prstGeom prst="rect">
+            <a:avLst/>
+          </a:prstGeom>
+          <a:ln>
+            <a:noFill/>
+          </a:ln>
+        </p:spPr>
+        <p:style>
+          <a:lnRef idx="2">
+            <a:schemeClr val="accent1">
+              <a:shade val="50000"/>
+            </a:schemeClr>
+          </a:lnRef>
+          <a:fillRef idx="1">
+            <a:schemeClr val="accent1"/>
+          </a:fillRef>
+          <a:effectRef idx="0">
+            <a:schemeClr val="accent1"/>
+          </a:effectRef>
+          <a:fontRef idx="minor">
+            <a:schemeClr val="lt1"/>
+          </a:fontRef>
+        </p:style>
+        <p:txBody>
+          <a:bodyPr rtlCol="0" anchor="ctr"/>
+          <a:lstStyle/>
+          <a:p>
+            <a:pPr algn="ctr"/>
+            <a:endParaRPr lang="pt-BR" dirty="0"/>
+          </a:p>
+        </p:txBody>
+      </p:sp>
+      <p:sp>
+        <p:nvSpPr>
+          <p:cNvPr id="9" name="CaixaDeTexto 8">
+            <a:extLst>
+              <a:ext uri="{FF2B5EF4-FFF2-40B4-BE49-F238E27FC236}">
+                <a16:creationId xmlns:a16="http://schemas.microsoft.com/office/drawing/2014/main" id="{4393C8D2-F201-4BA2-8B8B-C0EFBB2A9FC2}"/>
+              </a:ext>
+            </a:extLst>
+          </p:cNvPr>
+          <p:cNvSpPr txBox="1"/>
+          <p:nvPr/>
+        </p:nvSpPr>
+        <p:spPr>
+          <a:xfrm>
+            <a:off x="7778001" y="974159"/>
+            <a:ext cx="4121526" cy="4524315"/>
+          </a:xfrm>
+          <a:prstGeom prst="rect">
+            <a:avLst/>
+          </a:prstGeom>
+          <a:noFill/>
+        </p:spPr>
+        <p:txBody>
+          <a:bodyPr wrap="square" rtlCol="0">
+            <a:spAutoFit/>
+          </a:bodyPr>
+          <a:lstStyle/>
+          <a:p>
+            <a:pPr algn="just"/>
+            <a:r>
+              <a:rPr lang="pt-BR" sz="2400" b="1" dirty="0">
+                <a:solidFill>
+                  <a:schemeClr val="bg1"/>
+                </a:solidFill>
+                <a:latin typeface="Franklin Gothic Book" panose="020B0503020102020204" pitchFamily="34" charset="0"/>
+              </a:rPr>
+              <a:t>Os dados referentes ao número de médicos desagregados por municípios de Goiás foram coletados do Cadastro Nacional de Estabelecimentos da Saúde na data X.</a:t>
+            </a:r>
+          </a:p>
+          <a:p>
+            <a:pPr algn="just"/>
+            <a:endParaRPr lang="pt-BR" sz="2400" b="1" dirty="0">
+              <a:solidFill>
+                <a:schemeClr val="bg1"/>
+              </a:solidFill>
+              <a:latin typeface="Franklin Gothic Book" panose="020B0503020102020204" pitchFamily="34" charset="0"/>
+            </a:endParaRPr>
+          </a:p>
+          <a:p>
+            <a:pPr algn="just"/>
+            <a:r>
+              <a:rPr lang="pt-BR" sz="2400" b="1" dirty="0">
+                <a:solidFill>
+                  <a:schemeClr val="bg1"/>
+                </a:solidFill>
+                <a:latin typeface="Franklin Gothic Book" panose="020B0503020102020204" pitchFamily="34" charset="0"/>
+              </a:rPr>
+              <a:t>Os dados populacionais considerados foram do Censo de 2022 disponíveis no site do IBGE.</a:t>
+            </a:r>
+          </a:p>
+        </p:txBody>
+      </p:sp>
+      <p:sp>
+        <p:nvSpPr>
+          <p:cNvPr id="10" name="CaixaDeTexto 9">
+            <a:extLst>
+              <a:ext uri="{FF2B5EF4-FFF2-40B4-BE49-F238E27FC236}">
+                <a16:creationId xmlns:a16="http://schemas.microsoft.com/office/drawing/2014/main" id="{CEE6AB7E-DDEE-41FE-873D-7D55E0B1D1F2}"/>
+              </a:ext>
+            </a:extLst>
+          </p:cNvPr>
+          <p:cNvSpPr txBox="1"/>
+          <p:nvPr/>
+        </p:nvSpPr>
+        <p:spPr>
+          <a:xfrm>
+            <a:off x="1833282" y="246547"/>
+            <a:ext cx="8525435" cy="461665"/>
+          </a:xfrm>
+          <a:prstGeom prst="rect">
+            <a:avLst/>
+          </a:prstGeom>
+          <a:noFill/>
+        </p:spPr>
+        <p:txBody>
+          <a:bodyPr wrap="square">
+            <a:spAutoFit/>
+          </a:bodyPr>
+          <a:lstStyle/>
+          <a:p>
+            <a:pPr algn="ctr"/>
+            <a:r>
+              <a:rPr lang="pt-BR" sz="2400" b="1" dirty="0"/>
+              <a:t>3. Quantidade de médicos por mil habilitantes por município.</a:t>
+            </a:r>
+          </a:p>
+        </p:txBody>
+      </p:sp>
     </p:spTree>
     <p:extLst>
       <p:ext uri="{BB962C8B-B14F-4D97-AF65-F5344CB8AC3E}">
@@ -8126,7 +9464,1094 @@
 </p:sld>
 </file>
 
-<file path=ppt/slides/slide5.xml><?xml version="1.0" encoding="utf-8"?>
+<file path=ppt/slides/slide6.xml><?xml version="1.0" encoding="utf-8"?>
+<p:sld xmlns:a="http://schemas.openxmlformats.org/drawingml/2006/main" xmlns:r="http://schemas.openxmlformats.org/officeDocument/2006/relationships" xmlns:p="http://schemas.openxmlformats.org/presentationml/2006/main">
+  <p:cSld>
+    <p:spTree>
+      <p:nvGrpSpPr>
+        <p:cNvPr id="1" name=""/>
+        <p:cNvGrpSpPr/>
+        <p:nvPr/>
+      </p:nvGrpSpPr>
+      <p:grpSpPr>
+        <a:xfrm>
+          <a:off x="0" y="0"/>
+          <a:ext cx="0" cy="0"/>
+          <a:chOff x="0" y="0"/>
+          <a:chExt cx="0" cy="0"/>
+        </a:xfrm>
+      </p:grpSpPr>
+      <p:sp>
+        <p:nvSpPr>
+          <p:cNvPr id="8" name="Retângulo 7">
+            <a:extLst>
+              <a:ext uri="{FF2B5EF4-FFF2-40B4-BE49-F238E27FC236}">
+                <a16:creationId xmlns:a16="http://schemas.microsoft.com/office/drawing/2014/main" id="{D3EB5070-42E3-4A64-93A1-8D9E4CF0B598}"/>
+              </a:ext>
+            </a:extLst>
+          </p:cNvPr>
+          <p:cNvSpPr/>
+          <p:nvPr/>
+        </p:nvSpPr>
+        <p:spPr>
+          <a:xfrm>
+            <a:off x="7485529" y="708212"/>
+            <a:ext cx="4706471" cy="4858870"/>
+          </a:xfrm>
+          <a:prstGeom prst="rect">
+            <a:avLst/>
+          </a:prstGeom>
+          <a:ln>
+            <a:noFill/>
+          </a:ln>
+        </p:spPr>
+        <p:style>
+          <a:lnRef idx="2">
+            <a:schemeClr val="accent1">
+              <a:shade val="50000"/>
+            </a:schemeClr>
+          </a:lnRef>
+          <a:fillRef idx="1">
+            <a:schemeClr val="accent1"/>
+          </a:fillRef>
+          <a:effectRef idx="0">
+            <a:schemeClr val="accent1"/>
+          </a:effectRef>
+          <a:fontRef idx="minor">
+            <a:schemeClr val="lt1"/>
+          </a:fontRef>
+        </p:style>
+        <p:txBody>
+          <a:bodyPr rtlCol="0" anchor="ctr"/>
+          <a:lstStyle/>
+          <a:p>
+            <a:pPr algn="ctr"/>
+            <a:endParaRPr lang="pt-BR" dirty="0"/>
+          </a:p>
+        </p:txBody>
+      </p:sp>
+      <p:sp>
+        <p:nvSpPr>
+          <p:cNvPr id="9" name="CaixaDeTexto 8">
+            <a:extLst>
+              <a:ext uri="{FF2B5EF4-FFF2-40B4-BE49-F238E27FC236}">
+                <a16:creationId xmlns:a16="http://schemas.microsoft.com/office/drawing/2014/main" id="{4393C8D2-F201-4BA2-8B8B-C0EFBB2A9FC2}"/>
+              </a:ext>
+            </a:extLst>
+          </p:cNvPr>
+          <p:cNvSpPr txBox="1"/>
+          <p:nvPr/>
+        </p:nvSpPr>
+        <p:spPr>
+          <a:xfrm>
+            <a:off x="7778001" y="974159"/>
+            <a:ext cx="4121526" cy="4154984"/>
+          </a:xfrm>
+          <a:prstGeom prst="rect">
+            <a:avLst/>
+          </a:prstGeom>
+          <a:noFill/>
+        </p:spPr>
+        <p:txBody>
+          <a:bodyPr wrap="square" rtlCol="0">
+            <a:spAutoFit/>
+          </a:bodyPr>
+          <a:lstStyle/>
+          <a:p>
+            <a:pPr algn="just"/>
+            <a:r>
+              <a:rPr lang="pt-BR" sz="2400" b="1" dirty="0">
+                <a:solidFill>
+                  <a:schemeClr val="bg1"/>
+                </a:solidFill>
+                <a:latin typeface="Franklin Gothic Book" panose="020B0503020102020204" pitchFamily="34" charset="0"/>
+              </a:rPr>
+              <a:t>Os dados referentes ao PIB bruto municipal foram coletados do  Sistema IBGE de Recuperação Automática – SIDRA com referência ao ano de 2021</a:t>
+            </a:r>
+          </a:p>
+          <a:p>
+            <a:pPr algn="just"/>
+            <a:endParaRPr lang="pt-BR" sz="2400" b="1" dirty="0">
+              <a:solidFill>
+                <a:schemeClr val="bg1"/>
+              </a:solidFill>
+              <a:latin typeface="Franklin Gothic Book" panose="020B0503020102020204" pitchFamily="34" charset="0"/>
+            </a:endParaRPr>
+          </a:p>
+          <a:p>
+            <a:pPr algn="just"/>
+            <a:r>
+              <a:rPr lang="pt-BR" sz="2400" b="1" dirty="0">
+                <a:solidFill>
+                  <a:schemeClr val="bg1"/>
+                </a:solidFill>
+                <a:latin typeface="Franklin Gothic Book" panose="020B0503020102020204" pitchFamily="34" charset="0"/>
+              </a:rPr>
+              <a:t>Os dados populacionais considerados foram do Censo de 2022 disponíveis no site do IBGE.</a:t>
+            </a:r>
+          </a:p>
+        </p:txBody>
+      </p:sp>
+      <p:pic>
+        <p:nvPicPr>
+          <p:cNvPr id="4" name="Imagem 3">
+            <a:extLst>
+              <a:ext uri="{FF2B5EF4-FFF2-40B4-BE49-F238E27FC236}">
+                <a16:creationId xmlns:a16="http://schemas.microsoft.com/office/drawing/2014/main" id="{193B0D01-8B23-46CB-9583-229602E422A3}"/>
+              </a:ext>
+            </a:extLst>
+          </p:cNvPr>
+          <p:cNvPicPr>
+            <a:picLocks noChangeAspect="1"/>
+          </p:cNvPicPr>
+          <p:nvPr/>
+        </p:nvPicPr>
+        <p:blipFill>
+          <a:blip r:embed="rId2">
+            <a:extLst>
+              <a:ext uri="{28A0092B-C50C-407E-A947-70E740481C1C}">
+                <a14:useLocalDpi xmlns:a14="http://schemas.microsoft.com/office/drawing/2010/main" val="0"/>
+              </a:ext>
+            </a:extLst>
+          </a:blip>
+          <a:stretch>
+            <a:fillRect/>
+          </a:stretch>
+        </p:blipFill>
+        <p:spPr>
+          <a:xfrm>
+            <a:off x="1262115" y="1452283"/>
+            <a:ext cx="5230800" cy="5230800"/>
+          </a:xfrm>
+          <a:prstGeom prst="rect">
+            <a:avLst/>
+          </a:prstGeom>
+        </p:spPr>
+      </p:pic>
+      <p:grpSp>
+        <p:nvGrpSpPr>
+          <p:cNvPr id="15" name="Agrupar 14">
+            <a:extLst>
+              <a:ext uri="{FF2B5EF4-FFF2-40B4-BE49-F238E27FC236}">
+                <a16:creationId xmlns:a16="http://schemas.microsoft.com/office/drawing/2014/main" id="{9F3CF6E3-6B09-4A3C-A837-8EDEF377CD88}"/>
+              </a:ext>
+            </a:extLst>
+          </p:cNvPr>
+          <p:cNvGrpSpPr/>
+          <p:nvPr/>
+        </p:nvGrpSpPr>
+        <p:grpSpPr>
+          <a:xfrm>
+            <a:off x="2483503" y="974159"/>
+            <a:ext cx="2788023" cy="772329"/>
+            <a:chOff x="2483504" y="355718"/>
+            <a:chExt cx="2788023" cy="772329"/>
+          </a:xfrm>
+        </p:grpSpPr>
+        <p:sp>
+          <p:nvSpPr>
+            <p:cNvPr id="13" name="Retângulo: Cantos Arredondados 12">
+              <a:extLst>
+                <a:ext uri="{FF2B5EF4-FFF2-40B4-BE49-F238E27FC236}">
+                  <a16:creationId xmlns:a16="http://schemas.microsoft.com/office/drawing/2014/main" id="{A0F7E74D-8976-4B78-A3D6-B983312FEF81}"/>
+                </a:ext>
+              </a:extLst>
+            </p:cNvPr>
+            <p:cNvSpPr/>
+            <p:nvPr/>
+          </p:nvSpPr>
+          <p:spPr>
+            <a:xfrm>
+              <a:off x="2483504" y="355718"/>
+              <a:ext cx="2788023" cy="768860"/>
+            </a:xfrm>
+            <a:prstGeom prst="roundRect">
+              <a:avLst/>
+            </a:prstGeom>
+            <a:ln>
+              <a:noFill/>
+            </a:ln>
+          </p:spPr>
+          <p:style>
+            <a:lnRef idx="2">
+              <a:schemeClr val="accent1">
+                <a:shade val="50000"/>
+              </a:schemeClr>
+            </a:lnRef>
+            <a:fillRef idx="1">
+              <a:schemeClr val="accent1"/>
+            </a:fillRef>
+            <a:effectRef idx="0">
+              <a:schemeClr val="accent1"/>
+            </a:effectRef>
+            <a:fontRef idx="minor">
+              <a:schemeClr val="lt1"/>
+            </a:fontRef>
+          </p:style>
+          <p:txBody>
+            <a:bodyPr rtlCol="0" anchor="t"/>
+            <a:lstStyle/>
+            <a:p>
+              <a:pPr algn="ctr"/>
+              <a:r>
+                <a:rPr lang="pt-BR" sz="3200" dirty="0"/>
+                <a:t>R$ 38.210</a:t>
+              </a:r>
+            </a:p>
+          </p:txBody>
+        </p:sp>
+        <p:sp>
+          <p:nvSpPr>
+            <p:cNvPr id="14" name="CaixaDeTexto 13">
+              <a:extLst>
+                <a:ext uri="{FF2B5EF4-FFF2-40B4-BE49-F238E27FC236}">
+                  <a16:creationId xmlns:a16="http://schemas.microsoft.com/office/drawing/2014/main" id="{1A3C9E90-606A-47FC-9D30-0559260A7CD2}"/>
+                </a:ext>
+              </a:extLst>
+            </p:cNvPr>
+            <p:cNvSpPr txBox="1"/>
+            <p:nvPr/>
+          </p:nvSpPr>
+          <p:spPr>
+            <a:xfrm>
+              <a:off x="3271195" y="820270"/>
+              <a:ext cx="1212640" cy="307777"/>
+            </a:xfrm>
+            <a:prstGeom prst="rect">
+              <a:avLst/>
+            </a:prstGeom>
+            <a:noFill/>
+          </p:spPr>
+          <p:txBody>
+            <a:bodyPr wrap="none" rtlCol="0">
+              <a:spAutoFit/>
+            </a:bodyPr>
+            <a:lstStyle/>
+            <a:p>
+              <a:r>
+                <a:rPr lang="pt-BR" sz="1400" b="1" dirty="0">
+                  <a:solidFill>
+                    <a:srgbClr val="FFC000"/>
+                  </a:solidFill>
+                </a:rPr>
+                <a:t>PIB per capita</a:t>
+              </a:r>
+            </a:p>
+          </p:txBody>
+        </p:sp>
+      </p:grpSp>
+      <p:sp>
+        <p:nvSpPr>
+          <p:cNvPr id="16" name="CaixaDeTexto 15">
+            <a:extLst>
+              <a:ext uri="{FF2B5EF4-FFF2-40B4-BE49-F238E27FC236}">
+                <a16:creationId xmlns:a16="http://schemas.microsoft.com/office/drawing/2014/main" id="{E4AF86BB-2FA2-4C26-A594-085B2AD3FB88}"/>
+              </a:ext>
+            </a:extLst>
+          </p:cNvPr>
+          <p:cNvSpPr txBox="1"/>
+          <p:nvPr/>
+        </p:nvSpPr>
+        <p:spPr>
+          <a:xfrm>
+            <a:off x="1833282" y="238318"/>
+            <a:ext cx="8525435" cy="461665"/>
+          </a:xfrm>
+          <a:prstGeom prst="rect">
+            <a:avLst/>
+          </a:prstGeom>
+          <a:noFill/>
+        </p:spPr>
+        <p:txBody>
+          <a:bodyPr wrap="square">
+            <a:spAutoFit/>
+          </a:bodyPr>
+          <a:lstStyle/>
+          <a:p>
+            <a:pPr algn="ctr"/>
+            <a:r>
+              <a:rPr lang="pt-BR" sz="2400" b="1" dirty="0"/>
+              <a:t>4. PIB per capita por munícipio.</a:t>
+            </a:r>
+          </a:p>
+        </p:txBody>
+      </p:sp>
+    </p:spTree>
+    <p:extLst>
+      <p:ext uri="{BB962C8B-B14F-4D97-AF65-F5344CB8AC3E}">
+        <p14:creationId xmlns:p14="http://schemas.microsoft.com/office/powerpoint/2010/main" val="2364429890"/>
+      </p:ext>
+    </p:extLst>
+  </p:cSld>
+  <p:clrMapOvr>
+    <a:masterClrMapping/>
+  </p:clrMapOvr>
+</p:sld>
+</file>
+
+<file path=ppt/slides/slide7.xml><?xml version="1.0" encoding="utf-8"?>
+<p:sld xmlns:a="http://schemas.openxmlformats.org/drawingml/2006/main" xmlns:r="http://schemas.openxmlformats.org/officeDocument/2006/relationships" xmlns:p="http://schemas.openxmlformats.org/presentationml/2006/main">
+  <p:cSld>
+    <p:spTree>
+      <p:nvGrpSpPr>
+        <p:cNvPr id="1" name=""/>
+        <p:cNvGrpSpPr/>
+        <p:nvPr/>
+      </p:nvGrpSpPr>
+      <p:grpSpPr>
+        <a:xfrm>
+          <a:off x="0" y="0"/>
+          <a:ext cx="0" cy="0"/>
+          <a:chOff x="0" y="0"/>
+          <a:chExt cx="0" cy="0"/>
+        </a:xfrm>
+      </p:grpSpPr>
+      <p:sp>
+        <p:nvSpPr>
+          <p:cNvPr id="9" name="CaixaDeTexto 8">
+            <a:extLst>
+              <a:ext uri="{FF2B5EF4-FFF2-40B4-BE49-F238E27FC236}">
+                <a16:creationId xmlns:a16="http://schemas.microsoft.com/office/drawing/2014/main" id="{4393C8D2-F201-4BA2-8B8B-C0EFBB2A9FC2}"/>
+              </a:ext>
+            </a:extLst>
+          </p:cNvPr>
+          <p:cNvSpPr txBox="1"/>
+          <p:nvPr/>
+        </p:nvSpPr>
+        <p:spPr>
+          <a:xfrm>
+            <a:off x="7778001" y="974159"/>
+            <a:ext cx="4121526" cy="4154984"/>
+          </a:xfrm>
+          <a:prstGeom prst="rect">
+            <a:avLst/>
+          </a:prstGeom>
+          <a:noFill/>
+        </p:spPr>
+        <p:txBody>
+          <a:bodyPr wrap="square" rtlCol="0">
+            <a:spAutoFit/>
+          </a:bodyPr>
+          <a:lstStyle/>
+          <a:p>
+            <a:pPr algn="just"/>
+            <a:r>
+              <a:rPr lang="pt-BR" sz="2400" b="1" dirty="0">
+                <a:solidFill>
+                  <a:schemeClr val="bg1"/>
+                </a:solidFill>
+                <a:latin typeface="Franklin Gothic Book" panose="020B0503020102020204" pitchFamily="34" charset="0"/>
+              </a:rPr>
+              <a:t>Os dados referentes ao PIB bruto municipal foram coletados do  Sistema IBGE de Recuperação Automática – SIDRA com referência ao ano de 2021</a:t>
+            </a:r>
+          </a:p>
+          <a:p>
+            <a:pPr algn="just"/>
+            <a:endParaRPr lang="pt-BR" sz="2400" b="1" dirty="0">
+              <a:solidFill>
+                <a:schemeClr val="bg1"/>
+              </a:solidFill>
+              <a:latin typeface="Franklin Gothic Book" panose="020B0503020102020204" pitchFamily="34" charset="0"/>
+            </a:endParaRPr>
+          </a:p>
+          <a:p>
+            <a:pPr algn="just"/>
+            <a:r>
+              <a:rPr lang="pt-BR" sz="2400" b="1" dirty="0">
+                <a:solidFill>
+                  <a:schemeClr val="bg1"/>
+                </a:solidFill>
+                <a:latin typeface="Franklin Gothic Book" panose="020B0503020102020204" pitchFamily="34" charset="0"/>
+              </a:rPr>
+              <a:t>Os dados populacionais considerados foram do Censo de 2022 disponíveis no site do IBGE.</a:t>
+            </a:r>
+          </a:p>
+        </p:txBody>
+      </p:sp>
+      <p:sp>
+        <p:nvSpPr>
+          <p:cNvPr id="16" name="CaixaDeTexto 15">
+            <a:extLst>
+              <a:ext uri="{FF2B5EF4-FFF2-40B4-BE49-F238E27FC236}">
+                <a16:creationId xmlns:a16="http://schemas.microsoft.com/office/drawing/2014/main" id="{E4AF86BB-2FA2-4C26-A594-085B2AD3FB88}"/>
+              </a:ext>
+            </a:extLst>
+          </p:cNvPr>
+          <p:cNvSpPr txBox="1"/>
+          <p:nvPr/>
+        </p:nvSpPr>
+        <p:spPr>
+          <a:xfrm>
+            <a:off x="1833282" y="238318"/>
+            <a:ext cx="8525435" cy="461665"/>
+          </a:xfrm>
+          <a:prstGeom prst="rect">
+            <a:avLst/>
+          </a:prstGeom>
+          <a:noFill/>
+        </p:spPr>
+        <p:txBody>
+          <a:bodyPr wrap="square">
+            <a:spAutoFit/>
+          </a:bodyPr>
+          <a:lstStyle/>
+          <a:p>
+            <a:pPr algn="ctr"/>
+            <a:r>
+              <a:rPr lang="pt-BR" sz="2400" b="1" dirty="0"/>
+              <a:t>5. Outros indicadores socioeconômicos.</a:t>
+            </a:r>
+          </a:p>
+        </p:txBody>
+      </p:sp>
+      <p:sp>
+        <p:nvSpPr>
+          <p:cNvPr id="2" name="Retângulo 1">
+            <a:extLst>
+              <a:ext uri="{FF2B5EF4-FFF2-40B4-BE49-F238E27FC236}">
+                <a16:creationId xmlns:a16="http://schemas.microsoft.com/office/drawing/2014/main" id="{D036FCB1-369C-48C7-AD76-A26CB4D8927A}"/>
+              </a:ext>
+            </a:extLst>
+          </p:cNvPr>
+          <p:cNvSpPr/>
+          <p:nvPr/>
+        </p:nvSpPr>
+        <p:spPr>
+          <a:xfrm>
+            <a:off x="1111624" y="770964"/>
+            <a:ext cx="4760258" cy="2254624"/>
+          </a:xfrm>
+          <a:prstGeom prst="rect">
+            <a:avLst/>
+          </a:prstGeom>
+          <a:ln>
+            <a:noFill/>
+          </a:ln>
+        </p:spPr>
+        <p:style>
+          <a:lnRef idx="2">
+            <a:schemeClr val="accent1">
+              <a:shade val="50000"/>
+            </a:schemeClr>
+          </a:lnRef>
+          <a:fillRef idx="1">
+            <a:schemeClr val="accent1"/>
+          </a:fillRef>
+          <a:effectRef idx="0">
+            <a:schemeClr val="accent1"/>
+          </a:effectRef>
+          <a:fontRef idx="minor">
+            <a:schemeClr val="lt1"/>
+          </a:fontRef>
+        </p:style>
+        <p:txBody>
+          <a:bodyPr rtlCol="0" anchor="ctr"/>
+          <a:lstStyle/>
+          <a:p>
+            <a:pPr algn="ctr"/>
+            <a:endParaRPr lang="pt-BR" dirty="0"/>
+          </a:p>
+        </p:txBody>
+      </p:sp>
+      <p:sp>
+        <p:nvSpPr>
+          <p:cNvPr id="10" name="Retângulo 9">
+            <a:extLst>
+              <a:ext uri="{FF2B5EF4-FFF2-40B4-BE49-F238E27FC236}">
+                <a16:creationId xmlns:a16="http://schemas.microsoft.com/office/drawing/2014/main" id="{45C6DBA0-AB29-4B85-AFD9-82106C1E541E}"/>
+              </a:ext>
+            </a:extLst>
+          </p:cNvPr>
+          <p:cNvSpPr/>
+          <p:nvPr/>
+        </p:nvSpPr>
+        <p:spPr>
+          <a:xfrm>
+            <a:off x="6302188" y="770964"/>
+            <a:ext cx="4760259" cy="2254624"/>
+          </a:xfrm>
+          <a:prstGeom prst="rect">
+            <a:avLst/>
+          </a:prstGeom>
+          <a:ln>
+            <a:noFill/>
+          </a:ln>
+        </p:spPr>
+        <p:style>
+          <a:lnRef idx="2">
+            <a:schemeClr val="accent1">
+              <a:shade val="50000"/>
+            </a:schemeClr>
+          </a:lnRef>
+          <a:fillRef idx="1">
+            <a:schemeClr val="accent1"/>
+          </a:fillRef>
+          <a:effectRef idx="0">
+            <a:schemeClr val="accent1"/>
+          </a:effectRef>
+          <a:fontRef idx="minor">
+            <a:schemeClr val="lt1"/>
+          </a:fontRef>
+        </p:style>
+        <p:txBody>
+          <a:bodyPr rtlCol="0" anchor="ctr"/>
+          <a:lstStyle/>
+          <a:p>
+            <a:pPr algn="ctr"/>
+            <a:endParaRPr lang="pt-BR"/>
+          </a:p>
+        </p:txBody>
+      </p:sp>
+      <p:sp>
+        <p:nvSpPr>
+          <p:cNvPr id="11" name="Retângulo 10">
+            <a:extLst>
+              <a:ext uri="{FF2B5EF4-FFF2-40B4-BE49-F238E27FC236}">
+                <a16:creationId xmlns:a16="http://schemas.microsoft.com/office/drawing/2014/main" id="{898B90AB-7897-44D8-B480-3585C00C3BE9}"/>
+              </a:ext>
+            </a:extLst>
+          </p:cNvPr>
+          <p:cNvSpPr/>
+          <p:nvPr/>
+        </p:nvSpPr>
+        <p:spPr>
+          <a:xfrm>
+            <a:off x="1111623" y="3316940"/>
+            <a:ext cx="4760259" cy="2254624"/>
+          </a:xfrm>
+          <a:prstGeom prst="rect">
+            <a:avLst/>
+          </a:prstGeom>
+          <a:ln>
+            <a:noFill/>
+          </a:ln>
+        </p:spPr>
+        <p:style>
+          <a:lnRef idx="2">
+            <a:schemeClr val="accent1">
+              <a:shade val="50000"/>
+            </a:schemeClr>
+          </a:lnRef>
+          <a:fillRef idx="1">
+            <a:schemeClr val="accent1"/>
+          </a:fillRef>
+          <a:effectRef idx="0">
+            <a:schemeClr val="accent1"/>
+          </a:effectRef>
+          <a:fontRef idx="minor">
+            <a:schemeClr val="lt1"/>
+          </a:fontRef>
+        </p:style>
+        <p:txBody>
+          <a:bodyPr rtlCol="0" anchor="ctr"/>
+          <a:lstStyle/>
+          <a:p>
+            <a:pPr algn="ctr"/>
+            <a:endParaRPr lang="pt-BR"/>
+          </a:p>
+        </p:txBody>
+      </p:sp>
+      <p:sp>
+        <p:nvSpPr>
+          <p:cNvPr id="12" name="Retângulo 11">
+            <a:extLst>
+              <a:ext uri="{FF2B5EF4-FFF2-40B4-BE49-F238E27FC236}">
+                <a16:creationId xmlns:a16="http://schemas.microsoft.com/office/drawing/2014/main" id="{2D23AB4D-C94C-490A-9667-0E16CF472CD1}"/>
+              </a:ext>
+            </a:extLst>
+          </p:cNvPr>
+          <p:cNvSpPr/>
+          <p:nvPr/>
+        </p:nvSpPr>
+        <p:spPr>
+          <a:xfrm>
+            <a:off x="6302188" y="3316940"/>
+            <a:ext cx="4760259" cy="2254624"/>
+          </a:xfrm>
+          <a:prstGeom prst="rect">
+            <a:avLst/>
+          </a:prstGeom>
+          <a:ln>
+            <a:noFill/>
+          </a:ln>
+        </p:spPr>
+        <p:style>
+          <a:lnRef idx="2">
+            <a:schemeClr val="accent1">
+              <a:shade val="50000"/>
+            </a:schemeClr>
+          </a:lnRef>
+          <a:fillRef idx="1">
+            <a:schemeClr val="accent1"/>
+          </a:fillRef>
+          <a:effectRef idx="0">
+            <a:schemeClr val="accent1"/>
+          </a:effectRef>
+          <a:fontRef idx="minor">
+            <a:schemeClr val="lt1"/>
+          </a:fontRef>
+        </p:style>
+        <p:txBody>
+          <a:bodyPr rtlCol="0" anchor="ctr"/>
+          <a:lstStyle/>
+          <a:p>
+            <a:pPr algn="ctr"/>
+            <a:endParaRPr lang="pt-BR"/>
+          </a:p>
+        </p:txBody>
+      </p:sp>
+      <p:sp>
+        <p:nvSpPr>
+          <p:cNvPr id="3" name="CaixaDeTexto 2">
+            <a:extLst>
+              <a:ext uri="{FF2B5EF4-FFF2-40B4-BE49-F238E27FC236}">
+                <a16:creationId xmlns:a16="http://schemas.microsoft.com/office/drawing/2014/main" id="{7B5DC8E1-04A6-4555-99B3-C0016CB958F1}"/>
+              </a:ext>
+            </a:extLst>
+          </p:cNvPr>
+          <p:cNvSpPr txBox="1"/>
+          <p:nvPr/>
+        </p:nvSpPr>
+        <p:spPr>
+          <a:xfrm>
+            <a:off x="1286434" y="836447"/>
+            <a:ext cx="4410635" cy="2123658"/>
+          </a:xfrm>
+          <a:prstGeom prst="rect">
+            <a:avLst/>
+          </a:prstGeom>
+          <a:noFill/>
+        </p:spPr>
+        <p:txBody>
+          <a:bodyPr wrap="square" rtlCol="0">
+            <a:spAutoFit/>
+          </a:bodyPr>
+          <a:lstStyle/>
+          <a:p>
+            <a:pPr algn="ctr"/>
+            <a:r>
+              <a:rPr lang="pt-BR" b="1" dirty="0">
+                <a:solidFill>
+                  <a:schemeClr val="bg1"/>
+                </a:solidFill>
+              </a:rPr>
+              <a:t>Índice de Desenvolvimento Humano</a:t>
+            </a:r>
+          </a:p>
+          <a:p>
+            <a:endParaRPr lang="pt-BR" b="1" dirty="0">
+              <a:solidFill>
+                <a:schemeClr val="bg1"/>
+              </a:solidFill>
+            </a:endParaRPr>
+          </a:p>
+          <a:p>
+            <a:pPr algn="ctr"/>
+            <a:r>
+              <a:rPr lang="pt-BR" sz="1600" dirty="0">
+                <a:solidFill>
+                  <a:schemeClr val="bg1"/>
+                </a:solidFill>
+              </a:rPr>
+              <a:t>O Índice de Desenvolvimento Humano (IDH) compara indicadores de países nos itens riqueza, alfabetização, educação, esperança de vida, natalidade e outros, com o intuito de avaliar o bem-estar de uma população, especialmente das crianças.¹</a:t>
+            </a:r>
+          </a:p>
+        </p:txBody>
+      </p:sp>
+      <p:sp>
+        <p:nvSpPr>
+          <p:cNvPr id="5" name="CaixaDeTexto 4">
+            <a:extLst>
+              <a:ext uri="{FF2B5EF4-FFF2-40B4-BE49-F238E27FC236}">
+                <a16:creationId xmlns:a16="http://schemas.microsoft.com/office/drawing/2014/main" id="{384451C3-A682-4185-9723-C1042738E416}"/>
+              </a:ext>
+            </a:extLst>
+          </p:cNvPr>
+          <p:cNvSpPr txBox="1"/>
+          <p:nvPr/>
+        </p:nvSpPr>
+        <p:spPr>
+          <a:xfrm>
+            <a:off x="123824" y="6388849"/>
+            <a:ext cx="11496115" cy="461665"/>
+          </a:xfrm>
+          <a:prstGeom prst="rect">
+            <a:avLst/>
+          </a:prstGeom>
+          <a:noFill/>
+        </p:spPr>
+        <p:txBody>
+          <a:bodyPr wrap="square" rtlCol="0">
+            <a:spAutoFit/>
+          </a:bodyPr>
+          <a:lstStyle/>
+          <a:p>
+            <a:r>
+              <a:rPr lang="pt-BR" sz="800" dirty="0">
+                <a:solidFill>
+                  <a:schemeClr val="bg1"/>
+                </a:solidFill>
+              </a:rPr>
+              <a:t>¹ fonte: </a:t>
+            </a:r>
+            <a:r>
+              <a:rPr lang="pt-BR" sz="800" dirty="0">
+                <a:solidFill>
+                  <a:schemeClr val="bg1"/>
+                </a:solidFill>
+                <a:hlinkClick r:id="rId2"/>
+              </a:rPr>
+              <a:t>https://www.ipea.gov.br/desafios/</a:t>
+            </a:r>
+            <a:r>
+              <a:rPr lang="pt-BR" sz="800" dirty="0" err="1">
+                <a:solidFill>
+                  <a:schemeClr val="bg1"/>
+                </a:solidFill>
+                <a:hlinkClick r:id="rId2"/>
+              </a:rPr>
+              <a:t>index.php?option</a:t>
+            </a:r>
+            <a:r>
+              <a:rPr lang="pt-BR" sz="800" dirty="0">
+                <a:solidFill>
+                  <a:schemeClr val="bg1"/>
+                </a:solidFill>
+                <a:hlinkClick r:id="rId2"/>
+              </a:rPr>
+              <a:t>=</a:t>
+            </a:r>
+            <a:r>
+              <a:rPr lang="pt-BR" sz="800" dirty="0" err="1">
+                <a:solidFill>
+                  <a:schemeClr val="bg1"/>
+                </a:solidFill>
+                <a:hlinkClick r:id="rId2"/>
+              </a:rPr>
+              <a:t>com_content&amp;amp;id</a:t>
+            </a:r>
+            <a:r>
+              <a:rPr lang="pt-BR" sz="800" dirty="0">
+                <a:solidFill>
+                  <a:schemeClr val="bg1"/>
+                </a:solidFill>
+                <a:hlinkClick r:id="rId2"/>
+              </a:rPr>
+              <a:t>=2144:catid=28#:~:</a:t>
+            </a:r>
+            <a:r>
+              <a:rPr lang="pt-BR" sz="800" dirty="0" err="1">
+                <a:solidFill>
+                  <a:schemeClr val="bg1"/>
+                </a:solidFill>
+                <a:hlinkClick r:id="rId2"/>
+              </a:rPr>
+              <a:t>text</a:t>
+            </a:r>
+            <a:r>
+              <a:rPr lang="pt-BR" sz="800" dirty="0">
+                <a:solidFill>
+                  <a:schemeClr val="bg1"/>
+                </a:solidFill>
+                <a:hlinkClick r:id="rId2"/>
+              </a:rPr>
+              <a:t>=</a:t>
+            </a:r>
+            <a:r>
+              <a:rPr lang="pt-BR" sz="800" dirty="0" err="1">
+                <a:solidFill>
+                  <a:schemeClr val="bg1"/>
+                </a:solidFill>
+                <a:hlinkClick r:id="rId2"/>
+              </a:rPr>
+              <a:t>IDH&amp;text</a:t>
+            </a:r>
+            <a:r>
+              <a:rPr lang="pt-BR" sz="800" dirty="0">
+                <a:solidFill>
+                  <a:schemeClr val="bg1"/>
+                </a:solidFill>
+                <a:hlinkClick r:id="rId2"/>
+              </a:rPr>
+              <a:t>=O%20%C3%8Dndice%20de%20Desenvolvimento%20Humano,uma%20popula%C3%A7%C3%A3o%2C%20especialmente%20das%20crian%C3%A7as</a:t>
+            </a:r>
+            <a:r>
+              <a:rPr lang="pt-BR" sz="800" dirty="0">
+                <a:solidFill>
+                  <a:schemeClr val="bg1"/>
+                </a:solidFill>
+              </a:rPr>
+              <a:t>.</a:t>
+            </a:r>
+          </a:p>
+          <a:p>
+            <a:r>
+              <a:rPr lang="pt-BR" sz="800" dirty="0">
+                <a:solidFill>
+                  <a:schemeClr val="bg1"/>
+                </a:solidFill>
+              </a:rPr>
+              <a:t>² fonte: </a:t>
+            </a:r>
+            <a:r>
+              <a:rPr lang="pt-BR" sz="800" dirty="0">
+                <a:solidFill>
+                  <a:schemeClr val="bg1"/>
+                </a:solidFill>
+                <a:hlinkClick r:id="rId3"/>
+              </a:rPr>
+              <a:t>https://www.ipea.gov.br/desafios/index.php?option=com_content&amp;id=2048:catid=28</a:t>
+            </a:r>
+            <a:endParaRPr lang="pt-BR" sz="800" dirty="0">
+              <a:solidFill>
+                <a:schemeClr val="bg1"/>
+              </a:solidFill>
+            </a:endParaRPr>
+          </a:p>
+          <a:p>
+            <a:r>
+              <a:rPr lang="pt-BR" sz="800" dirty="0">
+                <a:solidFill>
+                  <a:schemeClr val="bg1"/>
+                </a:solidFill>
+              </a:rPr>
+              <a:t>³ fonte: </a:t>
+            </a:r>
+            <a:r>
+              <a:rPr lang="pt-BR" sz="800" dirty="0">
+                <a:solidFill>
+                  <a:schemeClr val="bg1"/>
+                </a:solidFill>
+                <a:hlinkClick r:id="rId4"/>
+              </a:rPr>
+              <a:t>https://www.ibge.gov.br/geociencias/cartas-e-mapas/redes-geograficas/15789-areas-urbanizadas.html?=&amp;t=o-que-e</a:t>
+            </a:r>
+            <a:r>
+              <a:rPr lang="pt-BR" sz="800" dirty="0">
+                <a:solidFill>
+                  <a:schemeClr val="bg1"/>
+                </a:solidFill>
+              </a:rPr>
+              <a:t>                       </a:t>
+            </a:r>
+            <a:r>
+              <a:rPr lang="pt-BR" sz="800" baseline="30000" dirty="0">
+                <a:solidFill>
+                  <a:schemeClr val="bg1"/>
+                </a:solidFill>
+              </a:rPr>
+              <a:t>4</a:t>
+            </a:r>
+            <a:r>
+              <a:rPr lang="pt-BR" sz="800" dirty="0">
+                <a:solidFill>
+                  <a:schemeClr val="bg1"/>
+                </a:solidFill>
+              </a:rPr>
+              <a:t>fonte: https://www.gov.br/mds/pt-br/acoes-e-programas/cadastro-unico</a:t>
+            </a:r>
+          </a:p>
+        </p:txBody>
+      </p:sp>
+      <p:sp>
+        <p:nvSpPr>
+          <p:cNvPr id="17" name="CaixaDeTexto 16">
+            <a:extLst>
+              <a:ext uri="{FF2B5EF4-FFF2-40B4-BE49-F238E27FC236}">
+                <a16:creationId xmlns:a16="http://schemas.microsoft.com/office/drawing/2014/main" id="{9A904A20-274C-4049-BA80-B59085BDD46C}"/>
+              </a:ext>
+            </a:extLst>
+          </p:cNvPr>
+          <p:cNvSpPr txBox="1"/>
+          <p:nvPr/>
+        </p:nvSpPr>
+        <p:spPr>
+          <a:xfrm>
+            <a:off x="6552084" y="889971"/>
+            <a:ext cx="4410635" cy="1877437"/>
+          </a:xfrm>
+          <a:prstGeom prst="rect">
+            <a:avLst/>
+          </a:prstGeom>
+          <a:noFill/>
+        </p:spPr>
+        <p:txBody>
+          <a:bodyPr wrap="square" rtlCol="0">
+            <a:spAutoFit/>
+          </a:bodyPr>
+          <a:lstStyle/>
+          <a:p>
+            <a:pPr algn="ctr"/>
+            <a:r>
+              <a:rPr lang="pt-BR" b="1" dirty="0">
+                <a:solidFill>
+                  <a:schemeClr val="bg1"/>
+                </a:solidFill>
+              </a:rPr>
+              <a:t>Índice de Gini</a:t>
+            </a:r>
+          </a:p>
+          <a:p>
+            <a:endParaRPr lang="pt-BR" b="1" dirty="0">
+              <a:solidFill>
+                <a:schemeClr val="bg1"/>
+              </a:solidFill>
+            </a:endParaRPr>
+          </a:p>
+          <a:p>
+            <a:pPr algn="ctr"/>
+            <a:r>
+              <a:rPr lang="pt-BR" sz="1600" dirty="0">
+                <a:solidFill>
+                  <a:schemeClr val="bg1"/>
+                </a:solidFill>
+              </a:rPr>
+              <a:t>O Índice de Gini, criado pelo matemático italiano Conrado Gini, é um instrumento para medir o grau de concentração de renda em determinado grupo. Ele aponta a diferença entre os rendimentos dos mais pobres e dos mais ricos.²</a:t>
+            </a:r>
+          </a:p>
+        </p:txBody>
+      </p:sp>
+      <p:sp>
+        <p:nvSpPr>
+          <p:cNvPr id="18" name="CaixaDeTexto 17">
+            <a:extLst>
+              <a:ext uri="{FF2B5EF4-FFF2-40B4-BE49-F238E27FC236}">
+                <a16:creationId xmlns:a16="http://schemas.microsoft.com/office/drawing/2014/main" id="{3F1A6DA6-5DC0-4228-9F1A-9857D6413866}"/>
+              </a:ext>
+            </a:extLst>
+          </p:cNvPr>
+          <p:cNvSpPr txBox="1"/>
+          <p:nvPr/>
+        </p:nvSpPr>
+        <p:spPr>
+          <a:xfrm>
+            <a:off x="1278594" y="3505533"/>
+            <a:ext cx="4410635" cy="1877437"/>
+          </a:xfrm>
+          <a:prstGeom prst="rect">
+            <a:avLst/>
+          </a:prstGeom>
+          <a:noFill/>
+          <a:ln>
+            <a:noFill/>
+          </a:ln>
+        </p:spPr>
+        <p:txBody>
+          <a:bodyPr wrap="square" rtlCol="0">
+            <a:spAutoFit/>
+          </a:bodyPr>
+          <a:lstStyle/>
+          <a:p>
+            <a:pPr algn="ctr"/>
+            <a:r>
+              <a:rPr lang="pt-BR" b="1" dirty="0">
+                <a:solidFill>
+                  <a:schemeClr val="bg1"/>
+                </a:solidFill>
+              </a:rPr>
+              <a:t>Taxa de Urbanização</a:t>
+            </a:r>
+          </a:p>
+          <a:p>
+            <a:endParaRPr lang="pt-BR" b="1" dirty="0">
+              <a:solidFill>
+                <a:schemeClr val="bg1"/>
+              </a:solidFill>
+            </a:endParaRPr>
+          </a:p>
+          <a:p>
+            <a:pPr algn="ctr"/>
+            <a:r>
+              <a:rPr lang="pt-BR" sz="1600" dirty="0">
+                <a:solidFill>
+                  <a:schemeClr val="bg1"/>
+                </a:solidFill>
+              </a:rPr>
+              <a:t>Disponibiliza uma representação espacial do fenômeno urbano, obtida a partir da interpretação de imagens de satélites, com os objetivos de retratar e mensurar, por meio do mapeamento, sua distribuição e expansão.³</a:t>
+            </a:r>
+          </a:p>
+        </p:txBody>
+      </p:sp>
+      <p:sp>
+        <p:nvSpPr>
+          <p:cNvPr id="19" name="CaixaDeTexto 18">
+            <a:extLst>
+              <a:ext uri="{FF2B5EF4-FFF2-40B4-BE49-F238E27FC236}">
+                <a16:creationId xmlns:a16="http://schemas.microsoft.com/office/drawing/2014/main" id="{EDA7DC3E-2CF0-4F6E-9343-D7C3630614F4}"/>
+              </a:ext>
+            </a:extLst>
+          </p:cNvPr>
+          <p:cNvSpPr txBox="1"/>
+          <p:nvPr/>
+        </p:nvSpPr>
+        <p:spPr>
+          <a:xfrm>
+            <a:off x="6476999" y="3447906"/>
+            <a:ext cx="4410635" cy="2123658"/>
+          </a:xfrm>
+          <a:prstGeom prst="rect">
+            <a:avLst/>
+          </a:prstGeom>
+          <a:noFill/>
+        </p:spPr>
+        <p:txBody>
+          <a:bodyPr wrap="square" rtlCol="0">
+            <a:spAutoFit/>
+          </a:bodyPr>
+          <a:lstStyle/>
+          <a:p>
+            <a:pPr algn="ctr"/>
+            <a:r>
+              <a:rPr lang="pt-BR" b="1" dirty="0">
+                <a:solidFill>
+                  <a:schemeClr val="bg1"/>
+                </a:solidFill>
+              </a:rPr>
+              <a:t>Cadastro Único</a:t>
+            </a:r>
+          </a:p>
+          <a:p>
+            <a:endParaRPr lang="pt-BR" b="1" dirty="0">
+              <a:solidFill>
+                <a:schemeClr val="bg1"/>
+              </a:solidFill>
+            </a:endParaRPr>
+          </a:p>
+          <a:p>
+            <a:pPr algn="ctr"/>
+            <a:r>
+              <a:rPr lang="pt-BR" sz="1600" dirty="0">
+                <a:solidFill>
+                  <a:schemeClr val="bg1"/>
+                </a:solidFill>
+              </a:rPr>
+              <a:t>O Cadastro Único para Programas Sociais identifica e caracteriza as famílias de baixa renda residentes em todo território nacional. As famílias que vivem com renda mensal de até meio salário-mínimo por pessoa podem e devem ser registradas no Cadastro Único. </a:t>
+            </a:r>
+            <a:r>
+              <a:rPr lang="pt-BR" sz="1600" baseline="30000" dirty="0">
+                <a:solidFill>
+                  <a:schemeClr val="bg1"/>
+                </a:solidFill>
+              </a:rPr>
+              <a:t>4</a:t>
+            </a:r>
+          </a:p>
+        </p:txBody>
+      </p:sp>
+    </p:spTree>
+    <p:extLst>
+      <p:ext uri="{BB962C8B-B14F-4D97-AF65-F5344CB8AC3E}">
+        <p14:creationId xmlns:p14="http://schemas.microsoft.com/office/powerpoint/2010/main" val="2788675013"/>
+      </p:ext>
+    </p:extLst>
+  </p:cSld>
+  <p:clrMapOvr>
+    <a:masterClrMapping/>
+  </p:clrMapOvr>
+</p:sld>
+</file>
+
+<file path=ppt/slides/slide8.xml><?xml version="1.0" encoding="utf-8"?>
 <p:sld xmlns:a="http://schemas.openxmlformats.org/drawingml/2006/main" xmlns:r="http://schemas.openxmlformats.org/officeDocument/2006/relationships" xmlns:p="http://schemas.openxmlformats.org/presentationml/2006/main">
   <p:cSld>
     <p:spTree>
